--- a/figures/MMBS Figures.pptx
+++ b/figures/MMBS Figures.pptx
@@ -5,7 +5,7 @@
     <p:sldMasterId id="2147483648" r:id="rId1"/>
   </p:sldMasterIdLst>
   <p:notesMasterIdLst>
-    <p:notesMasterId r:id="rId16"/>
+    <p:notesMasterId r:id="rId17"/>
   </p:notesMasterIdLst>
   <p:sldIdLst>
     <p:sldId id="2644" r:id="rId2"/>
@@ -22,6 +22,7 @@
     <p:sldId id="256" r:id="rId13"/>
     <p:sldId id="258" r:id="rId14"/>
     <p:sldId id="259" r:id="rId15"/>
+    <p:sldId id="2654" r:id="rId16"/>
   </p:sldIdLst>
   <p:sldSz cx="12192000" cy="6858000"/>
   <p:notesSz cx="6858000" cy="9144000"/>
@@ -326,7 +327,7 @@
           <a:p>
             <a:fld id="{B4B82680-7EFC-594A-AE6D-8C42E1797072}" type="datetimeFigureOut">
               <a:rPr lang="en-US" smtClean="0"/>
-              <a:t>9/20/20</a:t>
+              <a:t>11/14/20</a:t>
             </a:fld>
             <a:endParaRPr lang="en-US"/>
           </a:p>
@@ -676,6 +677,101 @@
     <p:extLst>
       <p:ext uri="{BB962C8B-B14F-4D97-AF65-F5344CB8AC3E}">
         <p14:creationId xmlns:p14="http://schemas.microsoft.com/office/powerpoint/2010/main" val="2911397990"/>
+      </p:ext>
+    </p:extLst>
+  </p:cSld>
+  <p:clrMapOvr>
+    <a:masterClrMapping/>
+  </p:clrMapOvr>
+</p:notes>
+</file>
+
+<file path=ppt/notesSlides/notesSlide10.xml><?xml version="1.0" encoding="utf-8"?>
+<p:notes xmlns:a="http://schemas.openxmlformats.org/drawingml/2006/main" xmlns:r="http://schemas.openxmlformats.org/officeDocument/2006/relationships" xmlns:p="http://schemas.openxmlformats.org/presentationml/2006/main">
+  <p:cSld>
+    <p:spTree>
+      <p:nvGrpSpPr>
+        <p:cNvPr id="1" name=""/>
+        <p:cNvGrpSpPr/>
+        <p:nvPr/>
+      </p:nvGrpSpPr>
+      <p:grpSpPr>
+        <a:xfrm>
+          <a:off x="0" y="0"/>
+          <a:ext cx="0" cy="0"/>
+          <a:chOff x="0" y="0"/>
+          <a:chExt cx="0" cy="0"/>
+        </a:xfrm>
+      </p:grpSpPr>
+      <p:sp>
+        <p:nvSpPr>
+          <p:cNvPr id="2" name="Slide Image Placeholder 1"/>
+          <p:cNvSpPr>
+            <a:spLocks noGrp="1" noRot="1" noChangeAspect="1"/>
+          </p:cNvSpPr>
+          <p:nvPr>
+            <p:ph type="sldImg"/>
+          </p:nvPr>
+        </p:nvSpPr>
+        <p:spPr/>
+      </p:sp>
+      <p:sp>
+        <p:nvSpPr>
+          <p:cNvPr id="3" name="Notes Placeholder 2"/>
+          <p:cNvSpPr>
+            <a:spLocks noGrp="1"/>
+          </p:cNvSpPr>
+          <p:nvPr>
+            <p:ph type="body" idx="1"/>
+          </p:nvPr>
+        </p:nvSpPr>
+        <p:spPr/>
+        <p:txBody>
+          <a:bodyPr/>
+          <a:lstStyle/>
+          <a:p>
+            <a:r>
+              <a:rPr lang="en-US" dirty="0" err="1"/>
+              <a:t>two</a:t>
+            </a:r>
+            <a:r>
+              <a:rPr lang="en-US" err="1"/>
+              <a:t>_</a:t>
+            </a:r>
+            <a:r>
+              <a:rPr lang="en-US"/>
+              <a:t>shapes</a:t>
+            </a:r>
+          </a:p>
+        </p:txBody>
+      </p:sp>
+      <p:sp>
+        <p:nvSpPr>
+          <p:cNvPr id="4" name="Slide Number Placeholder 3"/>
+          <p:cNvSpPr>
+            <a:spLocks noGrp="1"/>
+          </p:cNvSpPr>
+          <p:nvPr>
+            <p:ph type="sldNum" sz="quarter" idx="5"/>
+          </p:nvPr>
+        </p:nvSpPr>
+        <p:spPr/>
+        <p:txBody>
+          <a:bodyPr/>
+          <a:lstStyle/>
+          <a:p>
+            <a:fld id="{1FA7716F-88A2-8E4E-B694-34C10F2D9928}" type="slidenum">
+              <a:rPr lang="en-US" smtClean="0"/>
+              <a:t>15</a:t>
+            </a:fld>
+            <a:endParaRPr lang="en-US"/>
+          </a:p>
+        </p:txBody>
+      </p:sp>
+    </p:spTree>
+    <p:extLst>
+      <p:ext uri="{BB962C8B-B14F-4D97-AF65-F5344CB8AC3E}">
+        <p14:creationId xmlns:p14="http://schemas.microsoft.com/office/powerpoint/2010/main" val="1756059455"/>
       </p:ext>
     </p:extLst>
   </p:cSld>
@@ -1589,7 +1685,7 @@
           <a:p>
             <a:fld id="{9EEB5D18-614A-1A43-9057-E06F7A7EDE83}" type="datetimeFigureOut">
               <a:rPr lang="en-US" smtClean="0"/>
-              <a:t>9/20/20</a:t>
+              <a:t>11/14/20</a:t>
             </a:fld>
             <a:endParaRPr lang="en-US"/>
           </a:p>
@@ -1787,7 +1883,7 @@
           <a:p>
             <a:fld id="{9EEB5D18-614A-1A43-9057-E06F7A7EDE83}" type="datetimeFigureOut">
               <a:rPr lang="en-US" smtClean="0"/>
-              <a:t>9/20/20</a:t>
+              <a:t>11/14/20</a:t>
             </a:fld>
             <a:endParaRPr lang="en-US"/>
           </a:p>
@@ -1995,7 +2091,7 @@
           <a:p>
             <a:fld id="{9EEB5D18-614A-1A43-9057-E06F7A7EDE83}" type="datetimeFigureOut">
               <a:rPr lang="en-US" smtClean="0"/>
-              <a:t>9/20/20</a:t>
+              <a:t>11/14/20</a:t>
             </a:fld>
             <a:endParaRPr lang="en-US"/>
           </a:p>
@@ -2193,7 +2289,7 @@
           <a:p>
             <a:fld id="{9EEB5D18-614A-1A43-9057-E06F7A7EDE83}" type="datetimeFigureOut">
               <a:rPr lang="en-US" smtClean="0"/>
-              <a:t>9/20/20</a:t>
+              <a:t>11/14/20</a:t>
             </a:fld>
             <a:endParaRPr lang="en-US"/>
           </a:p>
@@ -2468,7 +2564,7 @@
           <a:p>
             <a:fld id="{9EEB5D18-614A-1A43-9057-E06F7A7EDE83}" type="datetimeFigureOut">
               <a:rPr lang="en-US" smtClean="0"/>
-              <a:t>9/20/20</a:t>
+              <a:t>11/14/20</a:t>
             </a:fld>
             <a:endParaRPr lang="en-US"/>
           </a:p>
@@ -2733,7 +2829,7 @@
           <a:p>
             <a:fld id="{9EEB5D18-614A-1A43-9057-E06F7A7EDE83}" type="datetimeFigureOut">
               <a:rPr lang="en-US" smtClean="0"/>
-              <a:t>9/20/20</a:t>
+              <a:t>11/14/20</a:t>
             </a:fld>
             <a:endParaRPr lang="en-US"/>
           </a:p>
@@ -3145,7 +3241,7 @@
           <a:p>
             <a:fld id="{9EEB5D18-614A-1A43-9057-E06F7A7EDE83}" type="datetimeFigureOut">
               <a:rPr lang="en-US" smtClean="0"/>
-              <a:t>9/20/20</a:t>
+              <a:t>11/14/20</a:t>
             </a:fld>
             <a:endParaRPr lang="en-US"/>
           </a:p>
@@ -3286,7 +3382,7 @@
           <a:p>
             <a:fld id="{9EEB5D18-614A-1A43-9057-E06F7A7EDE83}" type="datetimeFigureOut">
               <a:rPr lang="en-US" smtClean="0"/>
-              <a:t>9/20/20</a:t>
+              <a:t>11/14/20</a:t>
             </a:fld>
             <a:endParaRPr lang="en-US"/>
           </a:p>
@@ -3399,7 +3495,7 @@
           <a:p>
             <a:fld id="{9EEB5D18-614A-1A43-9057-E06F7A7EDE83}" type="datetimeFigureOut">
               <a:rPr lang="en-US" smtClean="0"/>
-              <a:t>9/20/20</a:t>
+              <a:t>11/14/20</a:t>
             </a:fld>
             <a:endParaRPr lang="en-US"/>
           </a:p>
@@ -3710,7 +3806,7 @@
           <a:p>
             <a:fld id="{9EEB5D18-614A-1A43-9057-E06F7A7EDE83}" type="datetimeFigureOut">
               <a:rPr lang="en-US" smtClean="0"/>
-              <a:t>9/20/20</a:t>
+              <a:t>11/14/20</a:t>
             </a:fld>
             <a:endParaRPr lang="en-US"/>
           </a:p>
@@ -3998,7 +4094,7 @@
           <a:p>
             <a:fld id="{9EEB5D18-614A-1A43-9057-E06F7A7EDE83}" type="datetimeFigureOut">
               <a:rPr lang="en-US" smtClean="0"/>
-              <a:t>9/20/20</a:t>
+              <a:t>11/14/20</a:t>
             </a:fld>
             <a:endParaRPr lang="en-US"/>
           </a:p>
@@ -4239,7 +4335,7 @@
           <a:p>
             <a:fld id="{9EEB5D18-614A-1A43-9057-E06F7A7EDE83}" type="datetimeFigureOut">
               <a:rPr lang="en-US" smtClean="0"/>
-              <a:t>9/20/20</a:t>
+              <a:t>11/14/20</a:t>
             </a:fld>
             <a:endParaRPr lang="en-US"/>
           </a:p>
@@ -15052,6 +15148,1334 @@
 </p:sld>
 </file>
 
+<file path=ppt/slides/slide15.xml><?xml version="1.0" encoding="utf-8"?>
+<p:sld xmlns:a="http://schemas.openxmlformats.org/drawingml/2006/main" xmlns:r="http://schemas.openxmlformats.org/officeDocument/2006/relationships" xmlns:p="http://schemas.openxmlformats.org/presentationml/2006/main">
+  <p:cSld>
+    <p:spTree>
+      <p:nvGrpSpPr>
+        <p:cNvPr id="1" name=""/>
+        <p:cNvGrpSpPr/>
+        <p:nvPr/>
+      </p:nvGrpSpPr>
+      <p:grpSpPr>
+        <a:xfrm>
+          <a:off x="0" y="0"/>
+          <a:ext cx="0" cy="0"/>
+          <a:chOff x="0" y="0"/>
+          <a:chExt cx="0" cy="0"/>
+        </a:xfrm>
+      </p:grpSpPr>
+      <p:grpSp>
+        <p:nvGrpSpPr>
+          <p:cNvPr id="42" name="Group 41">
+            <a:extLst>
+              <a:ext uri="{FF2B5EF4-FFF2-40B4-BE49-F238E27FC236}">
+                <a16:creationId xmlns:a16="http://schemas.microsoft.com/office/drawing/2014/main" id="{F99BF774-B45F-9F42-9770-E678FA0ED8CF}"/>
+              </a:ext>
+            </a:extLst>
+          </p:cNvPr>
+          <p:cNvGrpSpPr/>
+          <p:nvPr/>
+        </p:nvGrpSpPr>
+        <p:grpSpPr>
+          <a:xfrm rot="806674">
+            <a:off x="5834004" y="3037107"/>
+            <a:ext cx="3103717" cy="2798913"/>
+            <a:chOff x="5686976" y="974993"/>
+            <a:chExt cx="3103717" cy="2798913"/>
+          </a:xfrm>
+        </p:grpSpPr>
+        <p:cxnSp>
+          <p:nvCxnSpPr>
+            <p:cNvPr id="7" name="Straight Connector 6">
+              <a:extLst>
+                <a:ext uri="{FF2B5EF4-FFF2-40B4-BE49-F238E27FC236}">
+                  <a16:creationId xmlns:a16="http://schemas.microsoft.com/office/drawing/2014/main" id="{28F28819-CA8D-CB41-A112-9F755E423A7C}"/>
+                </a:ext>
+              </a:extLst>
+            </p:cNvPr>
+            <p:cNvCxnSpPr/>
+            <p:nvPr/>
+          </p:nvCxnSpPr>
+          <p:spPr>
+            <a:xfrm>
+              <a:off x="6944810" y="1157468"/>
+              <a:ext cx="740780" cy="618774"/>
+            </a:xfrm>
+            <a:prstGeom prst="line">
+              <a:avLst/>
+            </a:prstGeom>
+            <a:ln w="28575">
+              <a:solidFill>
+                <a:schemeClr val="accent2">
+                  <a:lumMod val="50000"/>
+                </a:schemeClr>
+              </a:solidFill>
+            </a:ln>
+          </p:spPr>
+          <p:style>
+            <a:lnRef idx="1">
+              <a:schemeClr val="accent1"/>
+            </a:lnRef>
+            <a:fillRef idx="0">
+              <a:schemeClr val="accent1"/>
+            </a:fillRef>
+            <a:effectRef idx="0">
+              <a:schemeClr val="accent1"/>
+            </a:effectRef>
+            <a:fontRef idx="minor">
+              <a:schemeClr val="tx1"/>
+            </a:fontRef>
+          </p:style>
+        </p:cxnSp>
+        <p:cxnSp>
+          <p:nvCxnSpPr>
+            <p:cNvPr id="9" name="Straight Connector 8">
+              <a:extLst>
+                <a:ext uri="{FF2B5EF4-FFF2-40B4-BE49-F238E27FC236}">
+                  <a16:creationId xmlns:a16="http://schemas.microsoft.com/office/drawing/2014/main" id="{75F12C92-5ED8-0C4D-8125-6ADD9C13945F}"/>
+                </a:ext>
+              </a:extLst>
+            </p:cNvPr>
+            <p:cNvCxnSpPr>
+              <a:cxnSpLocks/>
+            </p:cNvCxnSpPr>
+            <p:nvPr/>
+          </p:nvCxnSpPr>
+          <p:spPr>
+            <a:xfrm>
+              <a:off x="7685590" y="1776242"/>
+              <a:ext cx="833377" cy="0"/>
+            </a:xfrm>
+            <a:prstGeom prst="line">
+              <a:avLst/>
+            </a:prstGeom>
+            <a:ln w="28575">
+              <a:solidFill>
+                <a:schemeClr val="accent2">
+                  <a:lumMod val="50000"/>
+                </a:schemeClr>
+              </a:solidFill>
+            </a:ln>
+          </p:spPr>
+          <p:style>
+            <a:lnRef idx="1">
+              <a:schemeClr val="accent1"/>
+            </a:lnRef>
+            <a:fillRef idx="0">
+              <a:schemeClr val="accent1"/>
+            </a:fillRef>
+            <a:effectRef idx="0">
+              <a:schemeClr val="accent1"/>
+            </a:effectRef>
+            <a:fontRef idx="minor">
+              <a:schemeClr val="tx1"/>
+            </a:fontRef>
+          </p:style>
+        </p:cxnSp>
+        <p:cxnSp>
+          <p:nvCxnSpPr>
+            <p:cNvPr id="11" name="Straight Connector 10">
+              <a:extLst>
+                <a:ext uri="{FF2B5EF4-FFF2-40B4-BE49-F238E27FC236}">
+                  <a16:creationId xmlns:a16="http://schemas.microsoft.com/office/drawing/2014/main" id="{5595783C-2BFD-4B47-947E-B3A13EE2719B}"/>
+                </a:ext>
+              </a:extLst>
+            </p:cNvPr>
+            <p:cNvCxnSpPr>
+              <a:cxnSpLocks/>
+            </p:cNvCxnSpPr>
+            <p:nvPr/>
+          </p:nvCxnSpPr>
+          <p:spPr>
+            <a:xfrm>
+              <a:off x="8518967" y="1765226"/>
+              <a:ext cx="266218" cy="689166"/>
+            </a:xfrm>
+            <a:prstGeom prst="line">
+              <a:avLst/>
+            </a:prstGeom>
+            <a:ln w="28575">
+              <a:solidFill>
+                <a:schemeClr val="accent2">
+                  <a:lumMod val="50000"/>
+                </a:schemeClr>
+              </a:solidFill>
+            </a:ln>
+          </p:spPr>
+          <p:style>
+            <a:lnRef idx="1">
+              <a:schemeClr val="accent1"/>
+            </a:lnRef>
+            <a:fillRef idx="0">
+              <a:schemeClr val="accent1"/>
+            </a:fillRef>
+            <a:effectRef idx="0">
+              <a:schemeClr val="accent1"/>
+            </a:effectRef>
+            <a:fontRef idx="minor">
+              <a:schemeClr val="tx1"/>
+            </a:fontRef>
+          </p:style>
+        </p:cxnSp>
+        <p:cxnSp>
+          <p:nvCxnSpPr>
+            <p:cNvPr id="13" name="Straight Connector 12">
+              <a:extLst>
+                <a:ext uri="{FF2B5EF4-FFF2-40B4-BE49-F238E27FC236}">
+                  <a16:creationId xmlns:a16="http://schemas.microsoft.com/office/drawing/2014/main" id="{52395270-3C31-E44F-9DC4-7E01096A77B2}"/>
+                </a:ext>
+              </a:extLst>
+            </p:cNvPr>
+            <p:cNvCxnSpPr>
+              <a:cxnSpLocks/>
+            </p:cNvCxnSpPr>
+            <p:nvPr/>
+          </p:nvCxnSpPr>
+          <p:spPr>
+            <a:xfrm flipH="1">
+              <a:off x="7818419" y="2448884"/>
+              <a:ext cx="972274" cy="810227"/>
+            </a:xfrm>
+            <a:prstGeom prst="line">
+              <a:avLst/>
+            </a:prstGeom>
+            <a:ln w="28575">
+              <a:solidFill>
+                <a:schemeClr val="accent2">
+                  <a:lumMod val="50000"/>
+                </a:schemeClr>
+              </a:solidFill>
+            </a:ln>
+          </p:spPr>
+          <p:style>
+            <a:lnRef idx="1">
+              <a:schemeClr val="accent1"/>
+            </a:lnRef>
+            <a:fillRef idx="0">
+              <a:schemeClr val="accent1"/>
+            </a:fillRef>
+            <a:effectRef idx="0">
+              <a:schemeClr val="accent1"/>
+            </a:effectRef>
+            <a:fontRef idx="minor">
+              <a:schemeClr val="tx1"/>
+            </a:fontRef>
+          </p:style>
+        </p:cxnSp>
+        <p:cxnSp>
+          <p:nvCxnSpPr>
+            <p:cNvPr id="15" name="Straight Connector 14">
+              <a:extLst>
+                <a:ext uri="{FF2B5EF4-FFF2-40B4-BE49-F238E27FC236}">
+                  <a16:creationId xmlns:a16="http://schemas.microsoft.com/office/drawing/2014/main" id="{07933AF3-628D-2343-8C10-65313C7CC563}"/>
+                </a:ext>
+              </a:extLst>
+            </p:cNvPr>
+            <p:cNvCxnSpPr>
+              <a:cxnSpLocks/>
+            </p:cNvCxnSpPr>
+            <p:nvPr/>
+          </p:nvCxnSpPr>
+          <p:spPr>
+            <a:xfrm>
+              <a:off x="7818419" y="3243115"/>
+              <a:ext cx="150471" cy="306731"/>
+            </a:xfrm>
+            <a:prstGeom prst="line">
+              <a:avLst/>
+            </a:prstGeom>
+            <a:ln w="28575">
+              <a:solidFill>
+                <a:schemeClr val="accent2">
+                  <a:lumMod val="50000"/>
+                </a:schemeClr>
+              </a:solidFill>
+            </a:ln>
+          </p:spPr>
+          <p:style>
+            <a:lnRef idx="1">
+              <a:schemeClr val="accent1"/>
+            </a:lnRef>
+            <a:fillRef idx="0">
+              <a:schemeClr val="accent1"/>
+            </a:fillRef>
+            <a:effectRef idx="0">
+              <a:schemeClr val="accent1"/>
+            </a:effectRef>
+            <a:fontRef idx="minor">
+              <a:schemeClr val="tx1"/>
+            </a:fontRef>
+          </p:style>
+        </p:cxnSp>
+        <p:cxnSp>
+          <p:nvCxnSpPr>
+            <p:cNvPr id="17" name="Straight Connector 16">
+              <a:extLst>
+                <a:ext uri="{FF2B5EF4-FFF2-40B4-BE49-F238E27FC236}">
+                  <a16:creationId xmlns:a16="http://schemas.microsoft.com/office/drawing/2014/main" id="{2CB15775-8A70-9144-9F23-6387EDC0C890}"/>
+                </a:ext>
+              </a:extLst>
+            </p:cNvPr>
+            <p:cNvCxnSpPr>
+              <a:cxnSpLocks/>
+            </p:cNvCxnSpPr>
+            <p:nvPr/>
+          </p:nvCxnSpPr>
+          <p:spPr>
+            <a:xfrm flipH="1">
+              <a:off x="6487051" y="3539357"/>
+              <a:ext cx="1475772" cy="234549"/>
+            </a:xfrm>
+            <a:prstGeom prst="line">
+              <a:avLst/>
+            </a:prstGeom>
+            <a:ln w="28575">
+              <a:solidFill>
+                <a:schemeClr val="accent2">
+                  <a:lumMod val="50000"/>
+                </a:schemeClr>
+              </a:solidFill>
+            </a:ln>
+          </p:spPr>
+          <p:style>
+            <a:lnRef idx="1">
+              <a:schemeClr val="accent1"/>
+            </a:lnRef>
+            <a:fillRef idx="0">
+              <a:schemeClr val="accent1"/>
+            </a:fillRef>
+            <a:effectRef idx="0">
+              <a:schemeClr val="accent1"/>
+            </a:effectRef>
+            <a:fontRef idx="minor">
+              <a:schemeClr val="tx1"/>
+            </a:fontRef>
+          </p:style>
+        </p:cxnSp>
+        <p:cxnSp>
+          <p:nvCxnSpPr>
+            <p:cNvPr id="19" name="Straight Connector 18">
+              <a:extLst>
+                <a:ext uri="{FF2B5EF4-FFF2-40B4-BE49-F238E27FC236}">
+                  <a16:creationId xmlns:a16="http://schemas.microsoft.com/office/drawing/2014/main" id="{413E043E-306F-4D40-BD8B-FD5A6BF505C7}"/>
+                </a:ext>
+              </a:extLst>
+            </p:cNvPr>
+            <p:cNvCxnSpPr>
+              <a:cxnSpLocks/>
+            </p:cNvCxnSpPr>
+            <p:nvPr/>
+          </p:nvCxnSpPr>
+          <p:spPr>
+            <a:xfrm flipH="1">
+              <a:off x="6480984" y="3396480"/>
+              <a:ext cx="544394" cy="377426"/>
+            </a:xfrm>
+            <a:prstGeom prst="line">
+              <a:avLst/>
+            </a:prstGeom>
+            <a:ln w="28575">
+              <a:solidFill>
+                <a:schemeClr val="accent2">
+                  <a:lumMod val="50000"/>
+                </a:schemeClr>
+              </a:solidFill>
+            </a:ln>
+          </p:spPr>
+          <p:style>
+            <a:lnRef idx="1">
+              <a:schemeClr val="accent1"/>
+            </a:lnRef>
+            <a:fillRef idx="0">
+              <a:schemeClr val="accent1"/>
+            </a:fillRef>
+            <a:effectRef idx="0">
+              <a:schemeClr val="accent1"/>
+            </a:effectRef>
+            <a:fontRef idx="minor">
+              <a:schemeClr val="tx1"/>
+            </a:fontRef>
+          </p:style>
+        </p:cxnSp>
+        <p:cxnSp>
+          <p:nvCxnSpPr>
+            <p:cNvPr id="22" name="Straight Connector 21">
+              <a:extLst>
+                <a:ext uri="{FF2B5EF4-FFF2-40B4-BE49-F238E27FC236}">
+                  <a16:creationId xmlns:a16="http://schemas.microsoft.com/office/drawing/2014/main" id="{FCCE0C4B-A359-BF4C-A4F7-9095E2F61085}"/>
+                </a:ext>
+              </a:extLst>
+            </p:cNvPr>
+            <p:cNvCxnSpPr>
+              <a:cxnSpLocks/>
+            </p:cNvCxnSpPr>
+            <p:nvPr/>
+          </p:nvCxnSpPr>
+          <p:spPr>
+            <a:xfrm flipH="1">
+              <a:off x="6292554" y="3396480"/>
+              <a:ext cx="732824" cy="182500"/>
+            </a:xfrm>
+            <a:prstGeom prst="line">
+              <a:avLst/>
+            </a:prstGeom>
+            <a:ln w="28575">
+              <a:solidFill>
+                <a:schemeClr val="accent2">
+                  <a:lumMod val="50000"/>
+                </a:schemeClr>
+              </a:solidFill>
+            </a:ln>
+          </p:spPr>
+          <p:style>
+            <a:lnRef idx="1">
+              <a:schemeClr val="accent1"/>
+            </a:lnRef>
+            <a:fillRef idx="0">
+              <a:schemeClr val="accent1"/>
+            </a:fillRef>
+            <a:effectRef idx="0">
+              <a:schemeClr val="accent1"/>
+            </a:effectRef>
+            <a:fontRef idx="minor">
+              <a:schemeClr val="tx1"/>
+            </a:fontRef>
+          </p:style>
+        </p:cxnSp>
+        <p:cxnSp>
+          <p:nvCxnSpPr>
+            <p:cNvPr id="24" name="Straight Connector 23">
+              <a:extLst>
+                <a:ext uri="{FF2B5EF4-FFF2-40B4-BE49-F238E27FC236}">
+                  <a16:creationId xmlns:a16="http://schemas.microsoft.com/office/drawing/2014/main" id="{7B9D7FA6-52FE-E045-A42E-472462809FF3}"/>
+                </a:ext>
+              </a:extLst>
+            </p:cNvPr>
+            <p:cNvCxnSpPr>
+              <a:cxnSpLocks/>
+            </p:cNvCxnSpPr>
+            <p:nvPr/>
+          </p:nvCxnSpPr>
+          <p:spPr>
+            <a:xfrm flipH="1" flipV="1">
+              <a:off x="5840718" y="2974554"/>
+              <a:ext cx="451836" cy="604426"/>
+            </a:xfrm>
+            <a:prstGeom prst="line">
+              <a:avLst/>
+            </a:prstGeom>
+            <a:ln w="28575">
+              <a:solidFill>
+                <a:schemeClr val="accent2">
+                  <a:lumMod val="50000"/>
+                </a:schemeClr>
+              </a:solidFill>
+            </a:ln>
+          </p:spPr>
+          <p:style>
+            <a:lnRef idx="1">
+              <a:schemeClr val="accent1"/>
+            </a:lnRef>
+            <a:fillRef idx="0">
+              <a:schemeClr val="accent1"/>
+            </a:fillRef>
+            <a:effectRef idx="0">
+              <a:schemeClr val="accent1"/>
+            </a:effectRef>
+            <a:fontRef idx="minor">
+              <a:schemeClr val="tx1"/>
+            </a:fontRef>
+          </p:style>
+        </p:cxnSp>
+        <p:cxnSp>
+          <p:nvCxnSpPr>
+            <p:cNvPr id="27" name="Straight Connector 26">
+              <a:extLst>
+                <a:ext uri="{FF2B5EF4-FFF2-40B4-BE49-F238E27FC236}">
+                  <a16:creationId xmlns:a16="http://schemas.microsoft.com/office/drawing/2014/main" id="{E62E0A98-5386-F04F-9002-B81A777997A5}"/>
+                </a:ext>
+              </a:extLst>
+            </p:cNvPr>
+            <p:cNvCxnSpPr>
+              <a:cxnSpLocks/>
+            </p:cNvCxnSpPr>
+            <p:nvPr/>
+          </p:nvCxnSpPr>
+          <p:spPr>
+            <a:xfrm flipV="1">
+              <a:off x="5847625" y="2368627"/>
+              <a:ext cx="756987" cy="616943"/>
+            </a:xfrm>
+            <a:prstGeom prst="line">
+              <a:avLst/>
+            </a:prstGeom>
+            <a:ln w="28575">
+              <a:solidFill>
+                <a:schemeClr val="accent2">
+                  <a:lumMod val="50000"/>
+                </a:schemeClr>
+              </a:solidFill>
+            </a:ln>
+          </p:spPr>
+          <p:style>
+            <a:lnRef idx="1">
+              <a:schemeClr val="accent1"/>
+            </a:lnRef>
+            <a:fillRef idx="0">
+              <a:schemeClr val="accent1"/>
+            </a:fillRef>
+            <a:effectRef idx="0">
+              <a:schemeClr val="accent1"/>
+            </a:effectRef>
+            <a:fontRef idx="minor">
+              <a:schemeClr val="tx1"/>
+            </a:fontRef>
+          </p:style>
+        </p:cxnSp>
+        <p:cxnSp>
+          <p:nvCxnSpPr>
+            <p:cNvPr id="30" name="Straight Connector 29">
+              <a:extLst>
+                <a:ext uri="{FF2B5EF4-FFF2-40B4-BE49-F238E27FC236}">
+                  <a16:creationId xmlns:a16="http://schemas.microsoft.com/office/drawing/2014/main" id="{6280BFA1-0D34-CE46-B573-5AFB66CA27E9}"/>
+                </a:ext>
+              </a:extLst>
+            </p:cNvPr>
+            <p:cNvCxnSpPr>
+              <a:cxnSpLocks/>
+            </p:cNvCxnSpPr>
+            <p:nvPr/>
+          </p:nvCxnSpPr>
+          <p:spPr>
+            <a:xfrm>
+              <a:off x="5830119" y="2170534"/>
+              <a:ext cx="774493" cy="209109"/>
+            </a:xfrm>
+            <a:prstGeom prst="line">
+              <a:avLst/>
+            </a:prstGeom>
+            <a:ln w="28575">
+              <a:solidFill>
+                <a:schemeClr val="accent2">
+                  <a:lumMod val="50000"/>
+                </a:schemeClr>
+              </a:solidFill>
+            </a:ln>
+          </p:spPr>
+          <p:style>
+            <a:lnRef idx="1">
+              <a:schemeClr val="accent1"/>
+            </a:lnRef>
+            <a:fillRef idx="0">
+              <a:schemeClr val="accent1"/>
+            </a:fillRef>
+            <a:effectRef idx="0">
+              <a:schemeClr val="accent1"/>
+            </a:effectRef>
+            <a:fontRef idx="minor">
+              <a:schemeClr val="tx1"/>
+            </a:fontRef>
+          </p:style>
+        </p:cxnSp>
+        <p:cxnSp>
+          <p:nvCxnSpPr>
+            <p:cNvPr id="33" name="Straight Connector 32">
+              <a:extLst>
+                <a:ext uri="{FF2B5EF4-FFF2-40B4-BE49-F238E27FC236}">
+                  <a16:creationId xmlns:a16="http://schemas.microsoft.com/office/drawing/2014/main" id="{A12B9717-5E14-AD45-808D-481F0C4CD910}"/>
+                </a:ext>
+              </a:extLst>
+            </p:cNvPr>
+            <p:cNvCxnSpPr>
+              <a:cxnSpLocks/>
+            </p:cNvCxnSpPr>
+            <p:nvPr/>
+          </p:nvCxnSpPr>
+          <p:spPr>
+            <a:xfrm>
+              <a:off x="5689303" y="974993"/>
+              <a:ext cx="152814" cy="1198708"/>
+            </a:xfrm>
+            <a:prstGeom prst="line">
+              <a:avLst/>
+            </a:prstGeom>
+            <a:ln w="28575">
+              <a:solidFill>
+                <a:schemeClr val="accent2">
+                  <a:lumMod val="50000"/>
+                </a:schemeClr>
+              </a:solidFill>
+            </a:ln>
+          </p:spPr>
+          <p:style>
+            <a:lnRef idx="1">
+              <a:schemeClr val="accent1"/>
+            </a:lnRef>
+            <a:fillRef idx="0">
+              <a:schemeClr val="accent1"/>
+            </a:fillRef>
+            <a:effectRef idx="0">
+              <a:schemeClr val="accent1"/>
+            </a:effectRef>
+            <a:fontRef idx="minor">
+              <a:schemeClr val="tx1"/>
+            </a:fontRef>
+          </p:style>
+        </p:cxnSp>
+        <p:cxnSp>
+          <p:nvCxnSpPr>
+            <p:cNvPr id="37" name="Straight Connector 36">
+              <a:extLst>
+                <a:ext uri="{FF2B5EF4-FFF2-40B4-BE49-F238E27FC236}">
+                  <a16:creationId xmlns:a16="http://schemas.microsoft.com/office/drawing/2014/main" id="{23135ACB-A92A-DB40-9ED6-39690241CB94}"/>
+                </a:ext>
+              </a:extLst>
+            </p:cNvPr>
+            <p:cNvCxnSpPr>
+              <a:cxnSpLocks/>
+            </p:cNvCxnSpPr>
+            <p:nvPr/>
+          </p:nvCxnSpPr>
+          <p:spPr>
+            <a:xfrm flipH="1" flipV="1">
+              <a:off x="5686976" y="986009"/>
+              <a:ext cx="1044212" cy="390732"/>
+            </a:xfrm>
+            <a:prstGeom prst="line">
+              <a:avLst/>
+            </a:prstGeom>
+            <a:ln w="28575">
+              <a:solidFill>
+                <a:schemeClr val="accent2">
+                  <a:lumMod val="50000"/>
+                </a:schemeClr>
+              </a:solidFill>
+            </a:ln>
+          </p:spPr>
+          <p:style>
+            <a:lnRef idx="1">
+              <a:schemeClr val="accent1"/>
+            </a:lnRef>
+            <a:fillRef idx="0">
+              <a:schemeClr val="accent1"/>
+            </a:fillRef>
+            <a:effectRef idx="0">
+              <a:schemeClr val="accent1"/>
+            </a:effectRef>
+            <a:fontRef idx="minor">
+              <a:schemeClr val="tx1"/>
+            </a:fontRef>
+          </p:style>
+        </p:cxnSp>
+        <p:cxnSp>
+          <p:nvCxnSpPr>
+            <p:cNvPr id="40" name="Straight Connector 39">
+              <a:extLst>
+                <a:ext uri="{FF2B5EF4-FFF2-40B4-BE49-F238E27FC236}">
+                  <a16:creationId xmlns:a16="http://schemas.microsoft.com/office/drawing/2014/main" id="{BC0CC86D-F4A0-D843-A0D9-E0099599BF68}"/>
+                </a:ext>
+              </a:extLst>
+            </p:cNvPr>
+            <p:cNvCxnSpPr>
+              <a:cxnSpLocks/>
+            </p:cNvCxnSpPr>
+            <p:nvPr/>
+          </p:nvCxnSpPr>
+          <p:spPr>
+            <a:xfrm flipH="1">
+              <a:off x="6713847" y="1157467"/>
+              <a:ext cx="241979" cy="217954"/>
+            </a:xfrm>
+            <a:prstGeom prst="line">
+              <a:avLst/>
+            </a:prstGeom>
+            <a:ln w="28575">
+              <a:solidFill>
+                <a:schemeClr val="accent2">
+                  <a:lumMod val="50000"/>
+                </a:schemeClr>
+              </a:solidFill>
+            </a:ln>
+          </p:spPr>
+          <p:style>
+            <a:lnRef idx="1">
+              <a:schemeClr val="accent1"/>
+            </a:lnRef>
+            <a:fillRef idx="0">
+              <a:schemeClr val="accent1"/>
+            </a:fillRef>
+            <a:effectRef idx="0">
+              <a:schemeClr val="accent1"/>
+            </a:effectRef>
+            <a:fontRef idx="minor">
+              <a:schemeClr val="tx1"/>
+            </a:fontRef>
+          </p:style>
+        </p:cxnSp>
+      </p:grpSp>
+      <p:grpSp>
+        <p:nvGrpSpPr>
+          <p:cNvPr id="43" name="Group 42">
+            <a:extLst>
+              <a:ext uri="{FF2B5EF4-FFF2-40B4-BE49-F238E27FC236}">
+                <a16:creationId xmlns:a16="http://schemas.microsoft.com/office/drawing/2014/main" id="{2555FB75-F433-E446-9630-64CDE1D23773}"/>
+              </a:ext>
+            </a:extLst>
+          </p:cNvPr>
+          <p:cNvGrpSpPr/>
+          <p:nvPr/>
+        </p:nvGrpSpPr>
+        <p:grpSpPr>
+          <a:xfrm rot="16025038" flipH="1">
+            <a:off x="1240458" y="3037107"/>
+            <a:ext cx="3103717" cy="2798913"/>
+            <a:chOff x="5686976" y="974993"/>
+            <a:chExt cx="3103717" cy="2798913"/>
+          </a:xfrm>
+        </p:grpSpPr>
+        <p:cxnSp>
+          <p:nvCxnSpPr>
+            <p:cNvPr id="44" name="Straight Connector 43">
+              <a:extLst>
+                <a:ext uri="{FF2B5EF4-FFF2-40B4-BE49-F238E27FC236}">
+                  <a16:creationId xmlns:a16="http://schemas.microsoft.com/office/drawing/2014/main" id="{544DA139-04A2-154A-8DF8-08B953FBBA59}"/>
+                </a:ext>
+              </a:extLst>
+            </p:cNvPr>
+            <p:cNvCxnSpPr/>
+            <p:nvPr/>
+          </p:nvCxnSpPr>
+          <p:spPr>
+            <a:xfrm>
+              <a:off x="6944810" y="1157468"/>
+              <a:ext cx="740780" cy="618774"/>
+            </a:xfrm>
+            <a:prstGeom prst="line">
+              <a:avLst/>
+            </a:prstGeom>
+            <a:ln w="28575">
+              <a:solidFill>
+                <a:schemeClr val="accent6">
+                  <a:lumMod val="75000"/>
+                </a:schemeClr>
+              </a:solidFill>
+            </a:ln>
+          </p:spPr>
+          <p:style>
+            <a:lnRef idx="1">
+              <a:schemeClr val="accent1"/>
+            </a:lnRef>
+            <a:fillRef idx="0">
+              <a:schemeClr val="accent1"/>
+            </a:fillRef>
+            <a:effectRef idx="0">
+              <a:schemeClr val="accent1"/>
+            </a:effectRef>
+            <a:fontRef idx="minor">
+              <a:schemeClr val="tx1"/>
+            </a:fontRef>
+          </p:style>
+        </p:cxnSp>
+        <p:cxnSp>
+          <p:nvCxnSpPr>
+            <p:cNvPr id="45" name="Straight Connector 44">
+              <a:extLst>
+                <a:ext uri="{FF2B5EF4-FFF2-40B4-BE49-F238E27FC236}">
+                  <a16:creationId xmlns:a16="http://schemas.microsoft.com/office/drawing/2014/main" id="{0639E845-4C50-8043-9EAD-8B930EC39933}"/>
+                </a:ext>
+              </a:extLst>
+            </p:cNvPr>
+            <p:cNvCxnSpPr>
+              <a:cxnSpLocks/>
+            </p:cNvCxnSpPr>
+            <p:nvPr/>
+          </p:nvCxnSpPr>
+          <p:spPr>
+            <a:xfrm>
+              <a:off x="7685590" y="1776242"/>
+              <a:ext cx="833377" cy="0"/>
+            </a:xfrm>
+            <a:prstGeom prst="line">
+              <a:avLst/>
+            </a:prstGeom>
+            <a:ln w="28575">
+              <a:solidFill>
+                <a:schemeClr val="accent6">
+                  <a:lumMod val="75000"/>
+                </a:schemeClr>
+              </a:solidFill>
+            </a:ln>
+          </p:spPr>
+          <p:style>
+            <a:lnRef idx="1">
+              <a:schemeClr val="accent1"/>
+            </a:lnRef>
+            <a:fillRef idx="0">
+              <a:schemeClr val="accent1"/>
+            </a:fillRef>
+            <a:effectRef idx="0">
+              <a:schemeClr val="accent1"/>
+            </a:effectRef>
+            <a:fontRef idx="minor">
+              <a:schemeClr val="tx1"/>
+            </a:fontRef>
+          </p:style>
+        </p:cxnSp>
+        <p:cxnSp>
+          <p:nvCxnSpPr>
+            <p:cNvPr id="46" name="Straight Connector 45">
+              <a:extLst>
+                <a:ext uri="{FF2B5EF4-FFF2-40B4-BE49-F238E27FC236}">
+                  <a16:creationId xmlns:a16="http://schemas.microsoft.com/office/drawing/2014/main" id="{8D6A8F6E-2432-5B48-9E9E-8E1C941AE430}"/>
+                </a:ext>
+              </a:extLst>
+            </p:cNvPr>
+            <p:cNvCxnSpPr>
+              <a:cxnSpLocks/>
+            </p:cNvCxnSpPr>
+            <p:nvPr/>
+          </p:nvCxnSpPr>
+          <p:spPr>
+            <a:xfrm>
+              <a:off x="8518967" y="1765226"/>
+              <a:ext cx="266218" cy="689166"/>
+            </a:xfrm>
+            <a:prstGeom prst="line">
+              <a:avLst/>
+            </a:prstGeom>
+            <a:ln w="28575">
+              <a:solidFill>
+                <a:schemeClr val="accent6">
+                  <a:lumMod val="75000"/>
+                </a:schemeClr>
+              </a:solidFill>
+            </a:ln>
+          </p:spPr>
+          <p:style>
+            <a:lnRef idx="1">
+              <a:schemeClr val="accent1"/>
+            </a:lnRef>
+            <a:fillRef idx="0">
+              <a:schemeClr val="accent1"/>
+            </a:fillRef>
+            <a:effectRef idx="0">
+              <a:schemeClr val="accent1"/>
+            </a:effectRef>
+            <a:fontRef idx="minor">
+              <a:schemeClr val="tx1"/>
+            </a:fontRef>
+          </p:style>
+        </p:cxnSp>
+        <p:cxnSp>
+          <p:nvCxnSpPr>
+            <p:cNvPr id="47" name="Straight Connector 46">
+              <a:extLst>
+                <a:ext uri="{FF2B5EF4-FFF2-40B4-BE49-F238E27FC236}">
+                  <a16:creationId xmlns:a16="http://schemas.microsoft.com/office/drawing/2014/main" id="{4560E42A-77C3-C943-91C1-745114667119}"/>
+                </a:ext>
+              </a:extLst>
+            </p:cNvPr>
+            <p:cNvCxnSpPr>
+              <a:cxnSpLocks/>
+            </p:cNvCxnSpPr>
+            <p:nvPr/>
+          </p:nvCxnSpPr>
+          <p:spPr>
+            <a:xfrm flipH="1">
+              <a:off x="7818419" y="2448884"/>
+              <a:ext cx="972274" cy="810227"/>
+            </a:xfrm>
+            <a:prstGeom prst="line">
+              <a:avLst/>
+            </a:prstGeom>
+            <a:ln w="28575">
+              <a:solidFill>
+                <a:schemeClr val="accent6">
+                  <a:lumMod val="75000"/>
+                </a:schemeClr>
+              </a:solidFill>
+            </a:ln>
+          </p:spPr>
+          <p:style>
+            <a:lnRef idx="1">
+              <a:schemeClr val="accent1"/>
+            </a:lnRef>
+            <a:fillRef idx="0">
+              <a:schemeClr val="accent1"/>
+            </a:fillRef>
+            <a:effectRef idx="0">
+              <a:schemeClr val="accent1"/>
+            </a:effectRef>
+            <a:fontRef idx="minor">
+              <a:schemeClr val="tx1"/>
+            </a:fontRef>
+          </p:style>
+        </p:cxnSp>
+        <p:cxnSp>
+          <p:nvCxnSpPr>
+            <p:cNvPr id="48" name="Straight Connector 47">
+              <a:extLst>
+                <a:ext uri="{FF2B5EF4-FFF2-40B4-BE49-F238E27FC236}">
+                  <a16:creationId xmlns:a16="http://schemas.microsoft.com/office/drawing/2014/main" id="{D460F7C2-A98B-D643-A7A5-9BAC955874D9}"/>
+                </a:ext>
+              </a:extLst>
+            </p:cNvPr>
+            <p:cNvCxnSpPr>
+              <a:cxnSpLocks/>
+            </p:cNvCxnSpPr>
+            <p:nvPr/>
+          </p:nvCxnSpPr>
+          <p:spPr>
+            <a:xfrm>
+              <a:off x="7818419" y="3243115"/>
+              <a:ext cx="150471" cy="306731"/>
+            </a:xfrm>
+            <a:prstGeom prst="line">
+              <a:avLst/>
+            </a:prstGeom>
+            <a:ln w="28575">
+              <a:solidFill>
+                <a:schemeClr val="accent6">
+                  <a:lumMod val="75000"/>
+                </a:schemeClr>
+              </a:solidFill>
+            </a:ln>
+          </p:spPr>
+          <p:style>
+            <a:lnRef idx="1">
+              <a:schemeClr val="accent1"/>
+            </a:lnRef>
+            <a:fillRef idx="0">
+              <a:schemeClr val="accent1"/>
+            </a:fillRef>
+            <a:effectRef idx="0">
+              <a:schemeClr val="accent1"/>
+            </a:effectRef>
+            <a:fontRef idx="minor">
+              <a:schemeClr val="tx1"/>
+            </a:fontRef>
+          </p:style>
+        </p:cxnSp>
+        <p:cxnSp>
+          <p:nvCxnSpPr>
+            <p:cNvPr id="49" name="Straight Connector 48">
+              <a:extLst>
+                <a:ext uri="{FF2B5EF4-FFF2-40B4-BE49-F238E27FC236}">
+                  <a16:creationId xmlns:a16="http://schemas.microsoft.com/office/drawing/2014/main" id="{D5BFAE7F-177C-1947-A32F-345FEF393B31}"/>
+                </a:ext>
+              </a:extLst>
+            </p:cNvPr>
+            <p:cNvCxnSpPr>
+              <a:cxnSpLocks/>
+            </p:cNvCxnSpPr>
+            <p:nvPr/>
+          </p:nvCxnSpPr>
+          <p:spPr>
+            <a:xfrm flipH="1">
+              <a:off x="6487051" y="3539357"/>
+              <a:ext cx="1475772" cy="234549"/>
+            </a:xfrm>
+            <a:prstGeom prst="line">
+              <a:avLst/>
+            </a:prstGeom>
+            <a:ln w="28575">
+              <a:solidFill>
+                <a:schemeClr val="accent6">
+                  <a:lumMod val="75000"/>
+                </a:schemeClr>
+              </a:solidFill>
+            </a:ln>
+          </p:spPr>
+          <p:style>
+            <a:lnRef idx="1">
+              <a:schemeClr val="accent1"/>
+            </a:lnRef>
+            <a:fillRef idx="0">
+              <a:schemeClr val="accent1"/>
+            </a:fillRef>
+            <a:effectRef idx="0">
+              <a:schemeClr val="accent1"/>
+            </a:effectRef>
+            <a:fontRef idx="minor">
+              <a:schemeClr val="tx1"/>
+            </a:fontRef>
+          </p:style>
+        </p:cxnSp>
+        <p:cxnSp>
+          <p:nvCxnSpPr>
+            <p:cNvPr id="50" name="Straight Connector 49">
+              <a:extLst>
+                <a:ext uri="{FF2B5EF4-FFF2-40B4-BE49-F238E27FC236}">
+                  <a16:creationId xmlns:a16="http://schemas.microsoft.com/office/drawing/2014/main" id="{875FCD80-5DBC-CA48-8090-2E1387F55320}"/>
+                </a:ext>
+              </a:extLst>
+            </p:cNvPr>
+            <p:cNvCxnSpPr>
+              <a:cxnSpLocks/>
+            </p:cNvCxnSpPr>
+            <p:nvPr/>
+          </p:nvCxnSpPr>
+          <p:spPr>
+            <a:xfrm flipH="1">
+              <a:off x="6480984" y="3396480"/>
+              <a:ext cx="544394" cy="377426"/>
+            </a:xfrm>
+            <a:prstGeom prst="line">
+              <a:avLst/>
+            </a:prstGeom>
+            <a:ln w="28575">
+              <a:solidFill>
+                <a:schemeClr val="accent6">
+                  <a:lumMod val="75000"/>
+                </a:schemeClr>
+              </a:solidFill>
+            </a:ln>
+          </p:spPr>
+          <p:style>
+            <a:lnRef idx="1">
+              <a:schemeClr val="accent1"/>
+            </a:lnRef>
+            <a:fillRef idx="0">
+              <a:schemeClr val="accent1"/>
+            </a:fillRef>
+            <a:effectRef idx="0">
+              <a:schemeClr val="accent1"/>
+            </a:effectRef>
+            <a:fontRef idx="minor">
+              <a:schemeClr val="tx1"/>
+            </a:fontRef>
+          </p:style>
+        </p:cxnSp>
+        <p:cxnSp>
+          <p:nvCxnSpPr>
+            <p:cNvPr id="51" name="Straight Connector 50">
+              <a:extLst>
+                <a:ext uri="{FF2B5EF4-FFF2-40B4-BE49-F238E27FC236}">
+                  <a16:creationId xmlns:a16="http://schemas.microsoft.com/office/drawing/2014/main" id="{868147FD-96DB-D547-B00D-AFEEA78E946F}"/>
+                </a:ext>
+              </a:extLst>
+            </p:cNvPr>
+            <p:cNvCxnSpPr>
+              <a:cxnSpLocks/>
+            </p:cNvCxnSpPr>
+            <p:nvPr/>
+          </p:nvCxnSpPr>
+          <p:spPr>
+            <a:xfrm flipH="1">
+              <a:off x="6292554" y="3396480"/>
+              <a:ext cx="732824" cy="182500"/>
+            </a:xfrm>
+            <a:prstGeom prst="line">
+              <a:avLst/>
+            </a:prstGeom>
+            <a:ln w="28575">
+              <a:solidFill>
+                <a:schemeClr val="accent6">
+                  <a:lumMod val="75000"/>
+                </a:schemeClr>
+              </a:solidFill>
+            </a:ln>
+          </p:spPr>
+          <p:style>
+            <a:lnRef idx="1">
+              <a:schemeClr val="accent1"/>
+            </a:lnRef>
+            <a:fillRef idx="0">
+              <a:schemeClr val="accent1"/>
+            </a:fillRef>
+            <a:effectRef idx="0">
+              <a:schemeClr val="accent1"/>
+            </a:effectRef>
+            <a:fontRef idx="minor">
+              <a:schemeClr val="tx1"/>
+            </a:fontRef>
+          </p:style>
+        </p:cxnSp>
+        <p:cxnSp>
+          <p:nvCxnSpPr>
+            <p:cNvPr id="52" name="Straight Connector 51">
+              <a:extLst>
+                <a:ext uri="{FF2B5EF4-FFF2-40B4-BE49-F238E27FC236}">
+                  <a16:creationId xmlns:a16="http://schemas.microsoft.com/office/drawing/2014/main" id="{B4E7B616-E46A-6D42-9284-4C4C19E35672}"/>
+                </a:ext>
+              </a:extLst>
+            </p:cNvPr>
+            <p:cNvCxnSpPr>
+              <a:cxnSpLocks/>
+            </p:cNvCxnSpPr>
+            <p:nvPr/>
+          </p:nvCxnSpPr>
+          <p:spPr>
+            <a:xfrm flipH="1" flipV="1">
+              <a:off x="5840718" y="2974554"/>
+              <a:ext cx="451836" cy="604426"/>
+            </a:xfrm>
+            <a:prstGeom prst="line">
+              <a:avLst/>
+            </a:prstGeom>
+            <a:ln w="28575">
+              <a:solidFill>
+                <a:schemeClr val="accent6">
+                  <a:lumMod val="75000"/>
+                </a:schemeClr>
+              </a:solidFill>
+            </a:ln>
+          </p:spPr>
+          <p:style>
+            <a:lnRef idx="1">
+              <a:schemeClr val="accent1"/>
+            </a:lnRef>
+            <a:fillRef idx="0">
+              <a:schemeClr val="accent1"/>
+            </a:fillRef>
+            <a:effectRef idx="0">
+              <a:schemeClr val="accent1"/>
+            </a:effectRef>
+            <a:fontRef idx="minor">
+              <a:schemeClr val="tx1"/>
+            </a:fontRef>
+          </p:style>
+        </p:cxnSp>
+        <p:cxnSp>
+          <p:nvCxnSpPr>
+            <p:cNvPr id="53" name="Straight Connector 52">
+              <a:extLst>
+                <a:ext uri="{FF2B5EF4-FFF2-40B4-BE49-F238E27FC236}">
+                  <a16:creationId xmlns:a16="http://schemas.microsoft.com/office/drawing/2014/main" id="{D11C7171-27C7-4A48-A98A-41F1E896F552}"/>
+                </a:ext>
+              </a:extLst>
+            </p:cNvPr>
+            <p:cNvCxnSpPr>
+              <a:cxnSpLocks/>
+            </p:cNvCxnSpPr>
+            <p:nvPr/>
+          </p:nvCxnSpPr>
+          <p:spPr>
+            <a:xfrm flipV="1">
+              <a:off x="5847625" y="2368627"/>
+              <a:ext cx="756987" cy="616943"/>
+            </a:xfrm>
+            <a:prstGeom prst="line">
+              <a:avLst/>
+            </a:prstGeom>
+            <a:ln w="28575">
+              <a:solidFill>
+                <a:schemeClr val="accent6">
+                  <a:lumMod val="75000"/>
+                </a:schemeClr>
+              </a:solidFill>
+            </a:ln>
+          </p:spPr>
+          <p:style>
+            <a:lnRef idx="1">
+              <a:schemeClr val="accent1"/>
+            </a:lnRef>
+            <a:fillRef idx="0">
+              <a:schemeClr val="accent1"/>
+            </a:fillRef>
+            <a:effectRef idx="0">
+              <a:schemeClr val="accent1"/>
+            </a:effectRef>
+            <a:fontRef idx="minor">
+              <a:schemeClr val="tx1"/>
+            </a:fontRef>
+          </p:style>
+        </p:cxnSp>
+        <p:cxnSp>
+          <p:nvCxnSpPr>
+            <p:cNvPr id="54" name="Straight Connector 53">
+              <a:extLst>
+                <a:ext uri="{FF2B5EF4-FFF2-40B4-BE49-F238E27FC236}">
+                  <a16:creationId xmlns:a16="http://schemas.microsoft.com/office/drawing/2014/main" id="{27C5111A-932C-AA47-A611-0C2577B80B51}"/>
+                </a:ext>
+              </a:extLst>
+            </p:cNvPr>
+            <p:cNvCxnSpPr>
+              <a:cxnSpLocks/>
+            </p:cNvCxnSpPr>
+            <p:nvPr/>
+          </p:nvCxnSpPr>
+          <p:spPr>
+            <a:xfrm>
+              <a:off x="5830119" y="2170534"/>
+              <a:ext cx="774493" cy="209109"/>
+            </a:xfrm>
+            <a:prstGeom prst="line">
+              <a:avLst/>
+            </a:prstGeom>
+            <a:ln w="28575">
+              <a:solidFill>
+                <a:schemeClr val="accent6">
+                  <a:lumMod val="75000"/>
+                </a:schemeClr>
+              </a:solidFill>
+            </a:ln>
+          </p:spPr>
+          <p:style>
+            <a:lnRef idx="1">
+              <a:schemeClr val="accent1"/>
+            </a:lnRef>
+            <a:fillRef idx="0">
+              <a:schemeClr val="accent1"/>
+            </a:fillRef>
+            <a:effectRef idx="0">
+              <a:schemeClr val="accent1"/>
+            </a:effectRef>
+            <a:fontRef idx="minor">
+              <a:schemeClr val="tx1"/>
+            </a:fontRef>
+          </p:style>
+        </p:cxnSp>
+        <p:cxnSp>
+          <p:nvCxnSpPr>
+            <p:cNvPr id="55" name="Straight Connector 54">
+              <a:extLst>
+                <a:ext uri="{FF2B5EF4-FFF2-40B4-BE49-F238E27FC236}">
+                  <a16:creationId xmlns:a16="http://schemas.microsoft.com/office/drawing/2014/main" id="{E53CFF2A-04B7-DF41-BDD7-5C9A092D1F00}"/>
+                </a:ext>
+              </a:extLst>
+            </p:cNvPr>
+            <p:cNvCxnSpPr>
+              <a:cxnSpLocks/>
+            </p:cNvCxnSpPr>
+            <p:nvPr/>
+          </p:nvCxnSpPr>
+          <p:spPr>
+            <a:xfrm>
+              <a:off x="5689303" y="974993"/>
+              <a:ext cx="152814" cy="1198708"/>
+            </a:xfrm>
+            <a:prstGeom prst="line">
+              <a:avLst/>
+            </a:prstGeom>
+            <a:ln w="28575">
+              <a:solidFill>
+                <a:schemeClr val="accent6">
+                  <a:lumMod val="75000"/>
+                </a:schemeClr>
+              </a:solidFill>
+            </a:ln>
+          </p:spPr>
+          <p:style>
+            <a:lnRef idx="1">
+              <a:schemeClr val="accent1"/>
+            </a:lnRef>
+            <a:fillRef idx="0">
+              <a:schemeClr val="accent1"/>
+            </a:fillRef>
+            <a:effectRef idx="0">
+              <a:schemeClr val="accent1"/>
+            </a:effectRef>
+            <a:fontRef idx="minor">
+              <a:schemeClr val="tx1"/>
+            </a:fontRef>
+          </p:style>
+        </p:cxnSp>
+        <p:cxnSp>
+          <p:nvCxnSpPr>
+            <p:cNvPr id="56" name="Straight Connector 55">
+              <a:extLst>
+                <a:ext uri="{FF2B5EF4-FFF2-40B4-BE49-F238E27FC236}">
+                  <a16:creationId xmlns:a16="http://schemas.microsoft.com/office/drawing/2014/main" id="{7A077F17-A6D6-EA41-BACE-5DD7A75E9120}"/>
+                </a:ext>
+              </a:extLst>
+            </p:cNvPr>
+            <p:cNvCxnSpPr>
+              <a:cxnSpLocks/>
+            </p:cNvCxnSpPr>
+            <p:nvPr/>
+          </p:nvCxnSpPr>
+          <p:spPr>
+            <a:xfrm flipH="1" flipV="1">
+              <a:off x="5686976" y="986009"/>
+              <a:ext cx="1044212" cy="390732"/>
+            </a:xfrm>
+            <a:prstGeom prst="line">
+              <a:avLst/>
+            </a:prstGeom>
+            <a:ln w="28575">
+              <a:solidFill>
+                <a:schemeClr val="accent6">
+                  <a:lumMod val="75000"/>
+                </a:schemeClr>
+              </a:solidFill>
+            </a:ln>
+          </p:spPr>
+          <p:style>
+            <a:lnRef idx="1">
+              <a:schemeClr val="accent1"/>
+            </a:lnRef>
+            <a:fillRef idx="0">
+              <a:schemeClr val="accent1"/>
+            </a:fillRef>
+            <a:effectRef idx="0">
+              <a:schemeClr val="accent1"/>
+            </a:effectRef>
+            <a:fontRef idx="minor">
+              <a:schemeClr val="tx1"/>
+            </a:fontRef>
+          </p:style>
+        </p:cxnSp>
+        <p:cxnSp>
+          <p:nvCxnSpPr>
+            <p:cNvPr id="57" name="Straight Connector 56">
+              <a:extLst>
+                <a:ext uri="{FF2B5EF4-FFF2-40B4-BE49-F238E27FC236}">
+                  <a16:creationId xmlns:a16="http://schemas.microsoft.com/office/drawing/2014/main" id="{1CA16B36-3A34-364E-9747-F59F30C24514}"/>
+                </a:ext>
+              </a:extLst>
+            </p:cNvPr>
+            <p:cNvCxnSpPr>
+              <a:cxnSpLocks/>
+            </p:cNvCxnSpPr>
+            <p:nvPr/>
+          </p:nvCxnSpPr>
+          <p:spPr>
+            <a:xfrm flipH="1">
+              <a:off x="6713847" y="1157467"/>
+              <a:ext cx="241979" cy="217954"/>
+            </a:xfrm>
+            <a:prstGeom prst="line">
+              <a:avLst/>
+            </a:prstGeom>
+            <a:ln w="28575">
+              <a:solidFill>
+                <a:schemeClr val="accent6">
+                  <a:lumMod val="75000"/>
+                </a:schemeClr>
+              </a:solidFill>
+            </a:ln>
+          </p:spPr>
+          <p:style>
+            <a:lnRef idx="1">
+              <a:schemeClr val="accent1"/>
+            </a:lnRef>
+            <a:fillRef idx="0">
+              <a:schemeClr val="accent1"/>
+            </a:fillRef>
+            <a:effectRef idx="0">
+              <a:schemeClr val="accent1"/>
+            </a:effectRef>
+            <a:fontRef idx="minor">
+              <a:schemeClr val="tx1"/>
+            </a:fontRef>
+          </p:style>
+        </p:cxnSp>
+      </p:grpSp>
+    </p:spTree>
+    <p:extLst>
+      <p:ext uri="{BB962C8B-B14F-4D97-AF65-F5344CB8AC3E}">
+        <p14:creationId xmlns:p14="http://schemas.microsoft.com/office/powerpoint/2010/main" val="4000394330"/>
+      </p:ext>
+    </p:extLst>
+  </p:cSld>
+  <p:clrMapOvr>
+    <a:masterClrMapping/>
+  </p:clrMapOvr>
+</p:sld>
+</file>
+
 <file path=ppt/slides/slide2.xml><?xml version="1.0" encoding="utf-8"?>
 <p:sld xmlns:a="http://schemas.openxmlformats.org/drawingml/2006/main" xmlns:r="http://schemas.openxmlformats.org/officeDocument/2006/relationships" xmlns:p="http://schemas.openxmlformats.org/presentationml/2006/main">
   <p:cSld>
@@ -32449,7 +33873,7 @@
 <file path=ppt/theme/theme1.xml><?xml version="1.0" encoding="utf-8"?>
 <a:theme xmlns:a="http://schemas.openxmlformats.org/drawingml/2006/main" name="Office Theme">
   <a:themeElements>
-    <a:clrScheme name="Office">
+    <a:clrScheme name="Slipstream">
       <a:dk1>
         <a:sysClr val="windowText" lastClr="000000"/>
       </a:dk1>
@@ -32457,34 +33881,34 @@
         <a:sysClr val="window" lastClr="FFFFFF"/>
       </a:lt1>
       <a:dk2>
-        <a:srgbClr val="44546A"/>
+        <a:srgbClr val="212745"/>
       </a:dk2>
       <a:lt2>
-        <a:srgbClr val="E7E6E6"/>
+        <a:srgbClr val="B4DCFA"/>
       </a:lt2>
       <a:accent1>
-        <a:srgbClr val="4472C4"/>
+        <a:srgbClr val="4E67C8"/>
       </a:accent1>
       <a:accent2>
-        <a:srgbClr val="ED7D31"/>
+        <a:srgbClr val="5ECCF3"/>
       </a:accent2>
       <a:accent3>
-        <a:srgbClr val="A5A5A5"/>
+        <a:srgbClr val="A7EA52"/>
       </a:accent3>
       <a:accent4>
-        <a:srgbClr val="FFC000"/>
+        <a:srgbClr val="5DCEAF"/>
       </a:accent4>
       <a:accent5>
-        <a:srgbClr val="5B9BD5"/>
+        <a:srgbClr val="FF8021"/>
       </a:accent5>
       <a:accent6>
-        <a:srgbClr val="70AD47"/>
+        <a:srgbClr val="F14124"/>
       </a:accent6>
       <a:hlink>
-        <a:srgbClr val="0563C1"/>
+        <a:srgbClr val="56C7AA"/>
       </a:hlink>
       <a:folHlink>
-        <a:srgbClr val="954F72"/>
+        <a:srgbClr val="59A8D1"/>
       </a:folHlink>
     </a:clrScheme>
     <a:fontScheme name="Office">

--- a/figures/MMBS Figures.pptx
+++ b/figures/MMBS Figures.pptx
@@ -732,16 +732,9 @@
           <a:p>
             <a:r>
               <a:rPr lang="en-US" dirty="0" err="1"/>
-              <a:t>two</a:t>
+              <a:t>two_shapes</a:t>
             </a:r>
-            <a:r>
-              <a:rPr lang="en-US" err="1"/>
-              <a:t>_</a:t>
-            </a:r>
-            <a:r>
-              <a:rPr lang="en-US"/>
-              <a:t>shapes</a:t>
-            </a:r>
+            <a:endParaRPr lang="en-US" dirty="0"/>
           </a:p>
         </p:txBody>
       </p:sp>

--- a/figures/MMBS Figures.pptx
+++ b/figures/MMBS Figures.pptx
@@ -327,7 +327,7 @@
           <a:p>
             <a:fld id="{B4B82680-7EFC-594A-AE6D-8C42E1797072}" type="datetimeFigureOut">
               <a:rPr lang="en-US" smtClean="0"/>
-              <a:t>11/14/20</a:t>
+              <a:t>11/19/20</a:t>
             </a:fld>
             <a:endParaRPr lang="en-US"/>
           </a:p>
@@ -1678,7 +1678,7 @@
           <a:p>
             <a:fld id="{9EEB5D18-614A-1A43-9057-E06F7A7EDE83}" type="datetimeFigureOut">
               <a:rPr lang="en-US" smtClean="0"/>
-              <a:t>11/14/20</a:t>
+              <a:t>11/19/20</a:t>
             </a:fld>
             <a:endParaRPr lang="en-US"/>
           </a:p>
@@ -1876,7 +1876,7 @@
           <a:p>
             <a:fld id="{9EEB5D18-614A-1A43-9057-E06F7A7EDE83}" type="datetimeFigureOut">
               <a:rPr lang="en-US" smtClean="0"/>
-              <a:t>11/14/20</a:t>
+              <a:t>11/19/20</a:t>
             </a:fld>
             <a:endParaRPr lang="en-US"/>
           </a:p>
@@ -2084,7 +2084,7 @@
           <a:p>
             <a:fld id="{9EEB5D18-614A-1A43-9057-E06F7A7EDE83}" type="datetimeFigureOut">
               <a:rPr lang="en-US" smtClean="0"/>
-              <a:t>11/14/20</a:t>
+              <a:t>11/19/20</a:t>
             </a:fld>
             <a:endParaRPr lang="en-US"/>
           </a:p>
@@ -2282,7 +2282,7 @@
           <a:p>
             <a:fld id="{9EEB5D18-614A-1A43-9057-E06F7A7EDE83}" type="datetimeFigureOut">
               <a:rPr lang="en-US" smtClean="0"/>
-              <a:t>11/14/20</a:t>
+              <a:t>11/19/20</a:t>
             </a:fld>
             <a:endParaRPr lang="en-US"/>
           </a:p>
@@ -2557,7 +2557,7 @@
           <a:p>
             <a:fld id="{9EEB5D18-614A-1A43-9057-E06F7A7EDE83}" type="datetimeFigureOut">
               <a:rPr lang="en-US" smtClean="0"/>
-              <a:t>11/14/20</a:t>
+              <a:t>11/19/20</a:t>
             </a:fld>
             <a:endParaRPr lang="en-US"/>
           </a:p>
@@ -2822,7 +2822,7 @@
           <a:p>
             <a:fld id="{9EEB5D18-614A-1A43-9057-E06F7A7EDE83}" type="datetimeFigureOut">
               <a:rPr lang="en-US" smtClean="0"/>
-              <a:t>11/14/20</a:t>
+              <a:t>11/19/20</a:t>
             </a:fld>
             <a:endParaRPr lang="en-US"/>
           </a:p>
@@ -3234,7 +3234,7 @@
           <a:p>
             <a:fld id="{9EEB5D18-614A-1A43-9057-E06F7A7EDE83}" type="datetimeFigureOut">
               <a:rPr lang="en-US" smtClean="0"/>
-              <a:t>11/14/20</a:t>
+              <a:t>11/19/20</a:t>
             </a:fld>
             <a:endParaRPr lang="en-US"/>
           </a:p>
@@ -3375,7 +3375,7 @@
           <a:p>
             <a:fld id="{9EEB5D18-614A-1A43-9057-E06F7A7EDE83}" type="datetimeFigureOut">
               <a:rPr lang="en-US" smtClean="0"/>
-              <a:t>11/14/20</a:t>
+              <a:t>11/19/20</a:t>
             </a:fld>
             <a:endParaRPr lang="en-US"/>
           </a:p>
@@ -3488,7 +3488,7 @@
           <a:p>
             <a:fld id="{9EEB5D18-614A-1A43-9057-E06F7A7EDE83}" type="datetimeFigureOut">
               <a:rPr lang="en-US" smtClean="0"/>
-              <a:t>11/14/20</a:t>
+              <a:t>11/19/20</a:t>
             </a:fld>
             <a:endParaRPr lang="en-US"/>
           </a:p>
@@ -3799,7 +3799,7 @@
           <a:p>
             <a:fld id="{9EEB5D18-614A-1A43-9057-E06F7A7EDE83}" type="datetimeFigureOut">
               <a:rPr lang="en-US" smtClean="0"/>
-              <a:t>11/14/20</a:t>
+              <a:t>11/19/20</a:t>
             </a:fld>
             <a:endParaRPr lang="en-US"/>
           </a:p>
@@ -4087,7 +4087,7 @@
           <a:p>
             <a:fld id="{9EEB5D18-614A-1A43-9057-E06F7A7EDE83}" type="datetimeFigureOut">
               <a:rPr lang="en-US" smtClean="0"/>
-              <a:t>11/14/20</a:t>
+              <a:t>11/19/20</a:t>
             </a:fld>
             <a:endParaRPr lang="en-US"/>
           </a:p>
@@ -4328,7 +4328,7 @@
           <a:p>
             <a:fld id="{9EEB5D18-614A-1A43-9057-E06F7A7EDE83}" type="datetimeFigureOut">
               <a:rPr lang="en-US" smtClean="0"/>
-              <a:t>11/14/20</a:t>
+              <a:t>11/19/20</a:t>
             </a:fld>
             <a:endParaRPr lang="en-US"/>
           </a:p>

--- a/figures/MMBS Figures.pptx
+++ b/figures/MMBS Figures.pptx
@@ -5,7 +5,7 @@
     <p:sldMasterId id="2147483648" r:id="rId1"/>
   </p:sldMasterIdLst>
   <p:notesMasterIdLst>
-    <p:notesMasterId r:id="rId24"/>
+    <p:notesMasterId r:id="rId25"/>
   </p:notesMasterIdLst>
   <p:sldIdLst>
     <p:sldId id="2644" r:id="rId2"/>
@@ -30,6 +30,7 @@
     <p:sldId id="2661" r:id="rId21"/>
     <p:sldId id="2662" r:id="rId22"/>
     <p:sldId id="2663" r:id="rId23"/>
+    <p:sldId id="2664" r:id="rId24"/>
   </p:sldIdLst>
   <p:sldSz cx="12192000" cy="6858000"/>
   <p:notesSz cx="6858000" cy="9144000"/>
@@ -1364,6 +1365,123 @@
     <p:extLst>
       <p:ext uri="{BB962C8B-B14F-4D97-AF65-F5344CB8AC3E}">
         <p14:creationId xmlns:p14="http://schemas.microsoft.com/office/powerpoint/2010/main" val="4223491003"/>
+      </p:ext>
+    </p:extLst>
+  </p:cSld>
+  <p:clrMapOvr>
+    <a:masterClrMapping/>
+  </p:clrMapOvr>
+</p:notes>
+</file>
+
+<file path=ppt/notesSlides/notesSlide18.xml><?xml version="1.0" encoding="utf-8"?>
+<p:notes xmlns:a="http://schemas.openxmlformats.org/drawingml/2006/main" xmlns:r="http://schemas.openxmlformats.org/officeDocument/2006/relationships" xmlns:p="http://schemas.openxmlformats.org/presentationml/2006/main">
+  <p:cSld>
+    <p:spTree>
+      <p:nvGrpSpPr>
+        <p:cNvPr id="1" name=""/>
+        <p:cNvGrpSpPr/>
+        <p:nvPr/>
+      </p:nvGrpSpPr>
+      <p:grpSpPr>
+        <a:xfrm>
+          <a:off x="0" y="0"/>
+          <a:ext cx="0" cy="0"/>
+          <a:chOff x="0" y="0"/>
+          <a:chExt cx="0" cy="0"/>
+        </a:xfrm>
+      </p:grpSpPr>
+      <p:sp>
+        <p:nvSpPr>
+          <p:cNvPr id="2" name="Slide Image Placeholder 1"/>
+          <p:cNvSpPr>
+            <a:spLocks noGrp="1" noRot="1" noChangeAspect="1"/>
+          </p:cNvSpPr>
+          <p:nvPr>
+            <p:ph type="sldImg"/>
+          </p:nvPr>
+        </p:nvSpPr>
+        <p:spPr/>
+      </p:sp>
+      <p:sp>
+        <p:nvSpPr>
+          <p:cNvPr id="3" name="Notes Placeholder 2"/>
+          <p:cNvSpPr>
+            <a:spLocks noGrp="1"/>
+          </p:cNvSpPr>
+          <p:nvPr>
+            <p:ph type="body" idx="1"/>
+          </p:nvPr>
+        </p:nvSpPr>
+        <p:spPr/>
+        <p:txBody>
+          <a:bodyPr/>
+          <a:lstStyle/>
+          <a:p>
+            <a:pPr marL="0" marR="0" lvl="0" indent="0" algn="l" defTabSz="914400" rtl="0" eaLnBrk="1" fontAlgn="auto" latinLnBrk="0" hangingPunct="1">
+              <a:lnSpc>
+                <a:spcPct val="100000"/>
+              </a:lnSpc>
+              <a:spcBef>
+                <a:spcPts val="0"/>
+              </a:spcBef>
+              <a:spcAft>
+                <a:spcPts val="0"/>
+              </a:spcAft>
+              <a:buClrTx/>
+              <a:buSzTx/>
+              <a:buFontTx/>
+              <a:buNone/>
+              <a:tabLst/>
+              <a:defRPr/>
+            </a:pPr>
+            <a:r>
+              <a:rPr lang="en-US" dirty="0" err="1"/>
+              <a:t>RMSD</a:t>
+            </a:r>
+            <a:r>
+              <a:rPr lang="en-US" err="1"/>
+              <a:t>_</a:t>
+            </a:r>
+            <a:r>
+              <a:rPr lang="en-US"/>
+              <a:t>weakness_</a:t>
+            </a:r>
+            <a:r>
+              <a:rPr lang="en-US" dirty="0" err="1"/>
+              <a:t>loop</a:t>
+            </a:r>
+            <a:endParaRPr lang="en-US" dirty="0"/>
+          </a:p>
+        </p:txBody>
+      </p:sp>
+      <p:sp>
+        <p:nvSpPr>
+          <p:cNvPr id="4" name="Slide Number Placeholder 3"/>
+          <p:cNvSpPr>
+            <a:spLocks noGrp="1"/>
+          </p:cNvSpPr>
+          <p:nvPr>
+            <p:ph type="sldNum" sz="quarter" idx="5"/>
+          </p:nvPr>
+        </p:nvSpPr>
+        <p:spPr/>
+        <p:txBody>
+          <a:bodyPr/>
+          <a:lstStyle/>
+          <a:p>
+            <a:fld id="{1FA7716F-88A2-8E4E-B694-34C10F2D9928}" type="slidenum">
+              <a:rPr lang="en-US" smtClean="0"/>
+              <a:t>23</a:t>
+            </a:fld>
+            <a:endParaRPr lang="en-US"/>
+          </a:p>
+        </p:txBody>
+      </p:sp>
+    </p:spTree>
+    <p:extLst>
+      <p:ext uri="{BB962C8B-B14F-4D97-AF65-F5344CB8AC3E}">
+        <p14:creationId xmlns:p14="http://schemas.microsoft.com/office/powerpoint/2010/main" val="415874639"/>
       </p:ext>
     </p:extLst>
   </p:cSld>
@@ -33212,6 +33330,1948 @@
 </p:sld>
 </file>
 
+<file path=ppt/slides/slide23.xml><?xml version="1.0" encoding="utf-8"?>
+<p:sld xmlns:a="http://schemas.openxmlformats.org/drawingml/2006/main" xmlns:r="http://schemas.openxmlformats.org/officeDocument/2006/relationships" xmlns:p="http://schemas.openxmlformats.org/presentationml/2006/main">
+  <p:cSld>
+    <p:spTree>
+      <p:nvGrpSpPr>
+        <p:cNvPr id="1" name=""/>
+        <p:cNvGrpSpPr/>
+        <p:nvPr/>
+      </p:nvGrpSpPr>
+      <p:grpSpPr>
+        <a:xfrm>
+          <a:off x="0" y="0"/>
+          <a:ext cx="0" cy="0"/>
+          <a:chOff x="0" y="0"/>
+          <a:chExt cx="0" cy="0"/>
+        </a:xfrm>
+      </p:grpSpPr>
+      <p:grpSp>
+        <p:nvGrpSpPr>
+          <p:cNvPr id="3" name="Group 2">
+            <a:extLst>
+              <a:ext uri="{FF2B5EF4-FFF2-40B4-BE49-F238E27FC236}">
+                <a16:creationId xmlns:a16="http://schemas.microsoft.com/office/drawing/2014/main" id="{3DD5DAC7-8FB1-6B43-9664-080AA94775D9}"/>
+              </a:ext>
+            </a:extLst>
+          </p:cNvPr>
+          <p:cNvGrpSpPr/>
+          <p:nvPr/>
+        </p:nvGrpSpPr>
+        <p:grpSpPr>
+          <a:xfrm>
+            <a:off x="2172333" y="2132425"/>
+            <a:ext cx="7847334" cy="365760"/>
+            <a:chOff x="2172333" y="2132425"/>
+            <a:chExt cx="7847334" cy="365760"/>
+          </a:xfrm>
+        </p:grpSpPr>
+        <p:sp>
+          <p:nvSpPr>
+            <p:cNvPr id="4" name="Oval 3">
+              <a:extLst>
+                <a:ext uri="{FF2B5EF4-FFF2-40B4-BE49-F238E27FC236}">
+                  <a16:creationId xmlns:a16="http://schemas.microsoft.com/office/drawing/2014/main" id="{C8F1F30F-8E47-5C4F-ADE9-CE76987CAD69}"/>
+                </a:ext>
+              </a:extLst>
+            </p:cNvPr>
+            <p:cNvSpPr>
+              <a:spLocks noChangeAspect="1"/>
+            </p:cNvSpPr>
+            <p:nvPr/>
+          </p:nvSpPr>
+          <p:spPr>
+            <a:xfrm>
+              <a:off x="2172333" y="2132425"/>
+              <a:ext cx="365760" cy="365760"/>
+            </a:xfrm>
+            <a:prstGeom prst="ellipse">
+              <a:avLst/>
+            </a:prstGeom>
+            <a:solidFill>
+              <a:schemeClr val="accent1"/>
+            </a:solidFill>
+            <a:ln>
+              <a:solidFill>
+                <a:schemeClr val="accent1">
+                  <a:lumMod val="50000"/>
+                </a:schemeClr>
+              </a:solidFill>
+            </a:ln>
+          </p:spPr>
+          <p:style>
+            <a:lnRef idx="2">
+              <a:schemeClr val="accent1">
+                <a:shade val="50000"/>
+              </a:schemeClr>
+            </a:lnRef>
+            <a:fillRef idx="1">
+              <a:schemeClr val="accent1"/>
+            </a:fillRef>
+            <a:effectRef idx="0">
+              <a:schemeClr val="accent1"/>
+            </a:effectRef>
+            <a:fontRef idx="minor">
+              <a:schemeClr val="lt1"/>
+            </a:fontRef>
+          </p:style>
+          <p:txBody>
+            <a:bodyPr rtlCol="0" anchor="ctr"/>
+            <a:lstStyle/>
+            <a:p>
+              <a:pPr algn="ctr"/>
+              <a:r>
+                <a:rPr lang="en-US" dirty="0">
+                  <a:latin typeface="Optima" panose="02000503060000020004" pitchFamily="2" charset="0"/>
+                </a:rPr>
+                <a:t>1</a:t>
+              </a:r>
+            </a:p>
+          </p:txBody>
+        </p:sp>
+        <p:sp>
+          <p:nvSpPr>
+            <p:cNvPr id="5" name="Oval 4">
+              <a:extLst>
+                <a:ext uri="{FF2B5EF4-FFF2-40B4-BE49-F238E27FC236}">
+                  <a16:creationId xmlns:a16="http://schemas.microsoft.com/office/drawing/2014/main" id="{2551F7A4-8D1B-7544-A13C-43969B35C36D}"/>
+                </a:ext>
+              </a:extLst>
+            </p:cNvPr>
+            <p:cNvSpPr>
+              <a:spLocks noChangeAspect="1"/>
+            </p:cNvSpPr>
+            <p:nvPr/>
+          </p:nvSpPr>
+          <p:spPr>
+            <a:xfrm>
+              <a:off x="3107530" y="2132425"/>
+              <a:ext cx="365760" cy="365760"/>
+            </a:xfrm>
+            <a:prstGeom prst="ellipse">
+              <a:avLst/>
+            </a:prstGeom>
+            <a:solidFill>
+              <a:schemeClr val="accent1"/>
+            </a:solidFill>
+            <a:ln>
+              <a:solidFill>
+                <a:schemeClr val="accent1">
+                  <a:lumMod val="50000"/>
+                </a:schemeClr>
+              </a:solidFill>
+            </a:ln>
+          </p:spPr>
+          <p:style>
+            <a:lnRef idx="2">
+              <a:schemeClr val="accent1">
+                <a:shade val="50000"/>
+              </a:schemeClr>
+            </a:lnRef>
+            <a:fillRef idx="1">
+              <a:schemeClr val="accent1"/>
+            </a:fillRef>
+            <a:effectRef idx="0">
+              <a:schemeClr val="accent1"/>
+            </a:effectRef>
+            <a:fontRef idx="minor">
+              <a:schemeClr val="lt1"/>
+            </a:fontRef>
+          </p:style>
+          <p:txBody>
+            <a:bodyPr rtlCol="0" anchor="ctr"/>
+            <a:lstStyle/>
+            <a:p>
+              <a:pPr algn="ctr"/>
+              <a:r>
+                <a:rPr lang="en-US" dirty="0">
+                  <a:latin typeface="Optima" panose="02000503060000020004" pitchFamily="2" charset="0"/>
+                </a:rPr>
+                <a:t>2</a:t>
+              </a:r>
+            </a:p>
+          </p:txBody>
+        </p:sp>
+        <p:sp>
+          <p:nvSpPr>
+            <p:cNvPr id="6" name="Oval 5">
+              <a:extLst>
+                <a:ext uri="{FF2B5EF4-FFF2-40B4-BE49-F238E27FC236}">
+                  <a16:creationId xmlns:a16="http://schemas.microsoft.com/office/drawing/2014/main" id="{6C45952C-9D57-474A-8DEA-92D151DD5B26}"/>
+                </a:ext>
+              </a:extLst>
+            </p:cNvPr>
+            <p:cNvSpPr>
+              <a:spLocks noChangeAspect="1"/>
+            </p:cNvSpPr>
+            <p:nvPr/>
+          </p:nvSpPr>
+          <p:spPr>
+            <a:xfrm>
+              <a:off x="4042727" y="2132425"/>
+              <a:ext cx="365760" cy="365760"/>
+            </a:xfrm>
+            <a:prstGeom prst="ellipse">
+              <a:avLst/>
+            </a:prstGeom>
+            <a:solidFill>
+              <a:schemeClr val="accent1"/>
+            </a:solidFill>
+            <a:ln>
+              <a:solidFill>
+                <a:schemeClr val="accent1">
+                  <a:lumMod val="50000"/>
+                </a:schemeClr>
+              </a:solidFill>
+            </a:ln>
+          </p:spPr>
+          <p:style>
+            <a:lnRef idx="2">
+              <a:schemeClr val="accent1">
+                <a:shade val="50000"/>
+              </a:schemeClr>
+            </a:lnRef>
+            <a:fillRef idx="1">
+              <a:schemeClr val="accent1"/>
+            </a:fillRef>
+            <a:effectRef idx="0">
+              <a:schemeClr val="accent1"/>
+            </a:effectRef>
+            <a:fontRef idx="minor">
+              <a:schemeClr val="lt1"/>
+            </a:fontRef>
+          </p:style>
+          <p:txBody>
+            <a:bodyPr rtlCol="0" anchor="ctr"/>
+            <a:lstStyle/>
+            <a:p>
+              <a:pPr algn="ctr"/>
+              <a:r>
+                <a:rPr lang="en-US" dirty="0">
+                  <a:latin typeface="Optima" panose="02000503060000020004" pitchFamily="2" charset="0"/>
+                </a:rPr>
+                <a:t>3</a:t>
+              </a:r>
+            </a:p>
+          </p:txBody>
+        </p:sp>
+        <p:sp>
+          <p:nvSpPr>
+            <p:cNvPr id="7" name="Oval 6">
+              <a:extLst>
+                <a:ext uri="{FF2B5EF4-FFF2-40B4-BE49-F238E27FC236}">
+                  <a16:creationId xmlns:a16="http://schemas.microsoft.com/office/drawing/2014/main" id="{F788353D-C50A-5C4D-90A2-0EBDC6C87273}"/>
+                </a:ext>
+              </a:extLst>
+            </p:cNvPr>
+            <p:cNvSpPr>
+              <a:spLocks noChangeAspect="1"/>
+            </p:cNvSpPr>
+            <p:nvPr/>
+          </p:nvSpPr>
+          <p:spPr>
+            <a:xfrm>
+              <a:off x="4977924" y="2132425"/>
+              <a:ext cx="365760" cy="365760"/>
+            </a:xfrm>
+            <a:prstGeom prst="ellipse">
+              <a:avLst/>
+            </a:prstGeom>
+            <a:solidFill>
+              <a:schemeClr val="accent1"/>
+            </a:solidFill>
+            <a:ln>
+              <a:solidFill>
+                <a:schemeClr val="accent1">
+                  <a:lumMod val="50000"/>
+                </a:schemeClr>
+              </a:solidFill>
+            </a:ln>
+          </p:spPr>
+          <p:style>
+            <a:lnRef idx="2">
+              <a:schemeClr val="accent1">
+                <a:shade val="50000"/>
+              </a:schemeClr>
+            </a:lnRef>
+            <a:fillRef idx="1">
+              <a:schemeClr val="accent1"/>
+            </a:fillRef>
+            <a:effectRef idx="0">
+              <a:schemeClr val="accent1"/>
+            </a:effectRef>
+            <a:fontRef idx="minor">
+              <a:schemeClr val="lt1"/>
+            </a:fontRef>
+          </p:style>
+          <p:txBody>
+            <a:bodyPr rtlCol="0" anchor="ctr"/>
+            <a:lstStyle/>
+            <a:p>
+              <a:pPr algn="ctr"/>
+              <a:r>
+                <a:rPr lang="en-US" dirty="0">
+                  <a:latin typeface="Optima" panose="02000503060000020004" pitchFamily="2" charset="0"/>
+                </a:rPr>
+                <a:t>4</a:t>
+              </a:r>
+            </a:p>
+          </p:txBody>
+        </p:sp>
+        <p:sp>
+          <p:nvSpPr>
+            <p:cNvPr id="8" name="Oval 7">
+              <a:extLst>
+                <a:ext uri="{FF2B5EF4-FFF2-40B4-BE49-F238E27FC236}">
+                  <a16:creationId xmlns:a16="http://schemas.microsoft.com/office/drawing/2014/main" id="{5B55EDB0-B9E3-0F4C-9C16-1A76E211F8EE}"/>
+                </a:ext>
+              </a:extLst>
+            </p:cNvPr>
+            <p:cNvSpPr>
+              <a:spLocks noChangeAspect="1"/>
+            </p:cNvSpPr>
+            <p:nvPr/>
+          </p:nvSpPr>
+          <p:spPr>
+            <a:xfrm>
+              <a:off x="7783515" y="2132425"/>
+              <a:ext cx="365760" cy="365760"/>
+            </a:xfrm>
+            <a:prstGeom prst="ellipse">
+              <a:avLst/>
+            </a:prstGeom>
+            <a:solidFill>
+              <a:schemeClr val="accent1"/>
+            </a:solidFill>
+            <a:ln>
+              <a:solidFill>
+                <a:schemeClr val="accent1">
+                  <a:lumMod val="50000"/>
+                </a:schemeClr>
+              </a:solidFill>
+            </a:ln>
+          </p:spPr>
+          <p:style>
+            <a:lnRef idx="2">
+              <a:schemeClr val="accent1">
+                <a:shade val="50000"/>
+              </a:schemeClr>
+            </a:lnRef>
+            <a:fillRef idx="1">
+              <a:schemeClr val="accent1"/>
+            </a:fillRef>
+            <a:effectRef idx="0">
+              <a:schemeClr val="accent1"/>
+            </a:effectRef>
+            <a:fontRef idx="minor">
+              <a:schemeClr val="lt1"/>
+            </a:fontRef>
+          </p:style>
+          <p:txBody>
+            <a:bodyPr rtlCol="0" anchor="ctr"/>
+            <a:lstStyle/>
+            <a:p>
+              <a:pPr algn="ctr"/>
+              <a:r>
+                <a:rPr lang="en-US" dirty="0">
+                  <a:latin typeface="Optima" panose="02000503060000020004" pitchFamily="2" charset="0"/>
+                </a:rPr>
+                <a:t>7</a:t>
+              </a:r>
+            </a:p>
+          </p:txBody>
+        </p:sp>
+        <p:sp>
+          <p:nvSpPr>
+            <p:cNvPr id="9" name="Oval 8">
+              <a:extLst>
+                <a:ext uri="{FF2B5EF4-FFF2-40B4-BE49-F238E27FC236}">
+                  <a16:creationId xmlns:a16="http://schemas.microsoft.com/office/drawing/2014/main" id="{F4CFA1D7-7661-B042-BE24-6A1A4B694306}"/>
+                </a:ext>
+              </a:extLst>
+            </p:cNvPr>
+            <p:cNvSpPr>
+              <a:spLocks noChangeAspect="1"/>
+            </p:cNvSpPr>
+            <p:nvPr/>
+          </p:nvSpPr>
+          <p:spPr>
+            <a:xfrm>
+              <a:off x="9653907" y="2132425"/>
+              <a:ext cx="365760" cy="365760"/>
+            </a:xfrm>
+            <a:prstGeom prst="ellipse">
+              <a:avLst/>
+            </a:prstGeom>
+            <a:solidFill>
+              <a:schemeClr val="accent1"/>
+            </a:solidFill>
+            <a:ln>
+              <a:solidFill>
+                <a:schemeClr val="accent1">
+                  <a:lumMod val="50000"/>
+                </a:schemeClr>
+              </a:solidFill>
+            </a:ln>
+          </p:spPr>
+          <p:style>
+            <a:lnRef idx="2">
+              <a:schemeClr val="accent1">
+                <a:shade val="50000"/>
+              </a:schemeClr>
+            </a:lnRef>
+            <a:fillRef idx="1">
+              <a:schemeClr val="accent1"/>
+            </a:fillRef>
+            <a:effectRef idx="0">
+              <a:schemeClr val="accent1"/>
+            </a:effectRef>
+            <a:fontRef idx="minor">
+              <a:schemeClr val="lt1"/>
+            </a:fontRef>
+          </p:style>
+          <p:txBody>
+            <a:bodyPr rtlCol="0" anchor="ctr"/>
+            <a:lstStyle/>
+            <a:p>
+              <a:pPr algn="ctr"/>
+              <a:r>
+                <a:rPr lang="en-US" dirty="0">
+                  <a:latin typeface="Optima" panose="02000503060000020004" pitchFamily="2" charset="0"/>
+                </a:rPr>
+                <a:t>9</a:t>
+              </a:r>
+            </a:p>
+          </p:txBody>
+        </p:sp>
+        <p:sp>
+          <p:nvSpPr>
+            <p:cNvPr id="10" name="Oval 9">
+              <a:extLst>
+                <a:ext uri="{FF2B5EF4-FFF2-40B4-BE49-F238E27FC236}">
+                  <a16:creationId xmlns:a16="http://schemas.microsoft.com/office/drawing/2014/main" id="{61B95177-C85E-8A4E-8900-6393182F8E23}"/>
+                </a:ext>
+              </a:extLst>
+            </p:cNvPr>
+            <p:cNvSpPr>
+              <a:spLocks noChangeAspect="1"/>
+            </p:cNvSpPr>
+            <p:nvPr/>
+          </p:nvSpPr>
+          <p:spPr>
+            <a:xfrm>
+              <a:off x="8718712" y="2132425"/>
+              <a:ext cx="365760" cy="365760"/>
+            </a:xfrm>
+            <a:prstGeom prst="ellipse">
+              <a:avLst/>
+            </a:prstGeom>
+            <a:solidFill>
+              <a:schemeClr val="accent1"/>
+            </a:solidFill>
+            <a:ln>
+              <a:solidFill>
+                <a:schemeClr val="accent1">
+                  <a:lumMod val="50000"/>
+                </a:schemeClr>
+              </a:solidFill>
+            </a:ln>
+          </p:spPr>
+          <p:style>
+            <a:lnRef idx="2">
+              <a:schemeClr val="accent1">
+                <a:shade val="50000"/>
+              </a:schemeClr>
+            </a:lnRef>
+            <a:fillRef idx="1">
+              <a:schemeClr val="accent1"/>
+            </a:fillRef>
+            <a:effectRef idx="0">
+              <a:schemeClr val="accent1"/>
+            </a:effectRef>
+            <a:fontRef idx="minor">
+              <a:schemeClr val="lt1"/>
+            </a:fontRef>
+          </p:style>
+          <p:txBody>
+            <a:bodyPr rtlCol="0" anchor="ctr"/>
+            <a:lstStyle/>
+            <a:p>
+              <a:pPr algn="ctr"/>
+              <a:r>
+                <a:rPr lang="en-US" dirty="0">
+                  <a:latin typeface="Optima" panose="02000503060000020004" pitchFamily="2" charset="0"/>
+                </a:rPr>
+                <a:t>8</a:t>
+              </a:r>
+            </a:p>
+          </p:txBody>
+        </p:sp>
+        <p:sp>
+          <p:nvSpPr>
+            <p:cNvPr id="11" name="Oval 10">
+              <a:extLst>
+                <a:ext uri="{FF2B5EF4-FFF2-40B4-BE49-F238E27FC236}">
+                  <a16:creationId xmlns:a16="http://schemas.microsoft.com/office/drawing/2014/main" id="{C8B9B8B3-892F-E243-B9A5-92CCD073FF2B}"/>
+                </a:ext>
+              </a:extLst>
+            </p:cNvPr>
+            <p:cNvSpPr>
+              <a:spLocks noChangeAspect="1"/>
+            </p:cNvSpPr>
+            <p:nvPr/>
+          </p:nvSpPr>
+          <p:spPr>
+            <a:xfrm>
+              <a:off x="6848318" y="2132425"/>
+              <a:ext cx="365760" cy="365760"/>
+            </a:xfrm>
+            <a:prstGeom prst="ellipse">
+              <a:avLst/>
+            </a:prstGeom>
+            <a:solidFill>
+              <a:schemeClr val="accent1"/>
+            </a:solidFill>
+            <a:ln>
+              <a:solidFill>
+                <a:schemeClr val="accent1">
+                  <a:lumMod val="50000"/>
+                </a:schemeClr>
+              </a:solidFill>
+            </a:ln>
+          </p:spPr>
+          <p:style>
+            <a:lnRef idx="2">
+              <a:schemeClr val="accent1">
+                <a:shade val="50000"/>
+              </a:schemeClr>
+            </a:lnRef>
+            <a:fillRef idx="1">
+              <a:schemeClr val="accent1"/>
+            </a:fillRef>
+            <a:effectRef idx="0">
+              <a:schemeClr val="accent1"/>
+            </a:effectRef>
+            <a:fontRef idx="minor">
+              <a:schemeClr val="lt1"/>
+            </a:fontRef>
+          </p:style>
+          <p:txBody>
+            <a:bodyPr rtlCol="0" anchor="ctr"/>
+            <a:lstStyle/>
+            <a:p>
+              <a:pPr algn="ctr"/>
+              <a:r>
+                <a:rPr lang="en-US" dirty="0">
+                  <a:latin typeface="Optima" panose="02000503060000020004" pitchFamily="2" charset="0"/>
+                </a:rPr>
+                <a:t>6</a:t>
+              </a:r>
+            </a:p>
+          </p:txBody>
+        </p:sp>
+        <p:sp>
+          <p:nvSpPr>
+            <p:cNvPr id="12" name="Oval 11">
+              <a:extLst>
+                <a:ext uri="{FF2B5EF4-FFF2-40B4-BE49-F238E27FC236}">
+                  <a16:creationId xmlns:a16="http://schemas.microsoft.com/office/drawing/2014/main" id="{C6D20BA2-275A-8745-B981-B1EE87B8C2F7}"/>
+                </a:ext>
+              </a:extLst>
+            </p:cNvPr>
+            <p:cNvSpPr>
+              <a:spLocks noChangeAspect="1"/>
+            </p:cNvSpPr>
+            <p:nvPr/>
+          </p:nvSpPr>
+          <p:spPr>
+            <a:xfrm>
+              <a:off x="5913121" y="2132425"/>
+              <a:ext cx="365760" cy="365760"/>
+            </a:xfrm>
+            <a:prstGeom prst="ellipse">
+              <a:avLst/>
+            </a:prstGeom>
+            <a:solidFill>
+              <a:schemeClr val="accent1"/>
+            </a:solidFill>
+            <a:ln>
+              <a:solidFill>
+                <a:schemeClr val="accent1">
+                  <a:lumMod val="50000"/>
+                </a:schemeClr>
+              </a:solidFill>
+            </a:ln>
+          </p:spPr>
+          <p:style>
+            <a:lnRef idx="2">
+              <a:schemeClr val="accent1">
+                <a:shade val="50000"/>
+              </a:schemeClr>
+            </a:lnRef>
+            <a:fillRef idx="1">
+              <a:schemeClr val="accent1"/>
+            </a:fillRef>
+            <a:effectRef idx="0">
+              <a:schemeClr val="accent1"/>
+            </a:effectRef>
+            <a:fontRef idx="minor">
+              <a:schemeClr val="lt1"/>
+            </a:fontRef>
+          </p:style>
+          <p:txBody>
+            <a:bodyPr rtlCol="0" anchor="ctr"/>
+            <a:lstStyle/>
+            <a:p>
+              <a:pPr algn="ctr"/>
+              <a:r>
+                <a:rPr lang="en-US" dirty="0">
+                  <a:latin typeface="Optima" panose="02000503060000020004" pitchFamily="2" charset="0"/>
+                </a:rPr>
+                <a:t>5</a:t>
+              </a:r>
+            </a:p>
+          </p:txBody>
+        </p:sp>
+        <p:cxnSp>
+          <p:nvCxnSpPr>
+            <p:cNvPr id="14" name="Straight Connector 13">
+              <a:extLst>
+                <a:ext uri="{FF2B5EF4-FFF2-40B4-BE49-F238E27FC236}">
+                  <a16:creationId xmlns:a16="http://schemas.microsoft.com/office/drawing/2014/main" id="{1E6DC1D3-F691-2644-9787-2FF74810DAA7}"/>
+                </a:ext>
+              </a:extLst>
+            </p:cNvPr>
+            <p:cNvCxnSpPr>
+              <a:cxnSpLocks/>
+            </p:cNvCxnSpPr>
+            <p:nvPr/>
+          </p:nvCxnSpPr>
+          <p:spPr>
+            <a:xfrm>
+              <a:off x="2609978" y="2322925"/>
+              <a:ext cx="411480" cy="0"/>
+            </a:xfrm>
+            <a:prstGeom prst="line">
+              <a:avLst/>
+            </a:prstGeom>
+            <a:ln w="28575">
+              <a:solidFill>
+                <a:schemeClr val="tx1">
+                  <a:lumMod val="75000"/>
+                  <a:lumOff val="25000"/>
+                </a:schemeClr>
+              </a:solidFill>
+            </a:ln>
+          </p:spPr>
+          <p:style>
+            <a:lnRef idx="1">
+              <a:schemeClr val="accent1"/>
+            </a:lnRef>
+            <a:fillRef idx="0">
+              <a:schemeClr val="accent1"/>
+            </a:fillRef>
+            <a:effectRef idx="0">
+              <a:schemeClr val="accent1"/>
+            </a:effectRef>
+            <a:fontRef idx="minor">
+              <a:schemeClr val="tx1"/>
+            </a:fontRef>
+          </p:style>
+        </p:cxnSp>
+        <p:cxnSp>
+          <p:nvCxnSpPr>
+            <p:cNvPr id="20" name="Straight Connector 19">
+              <a:extLst>
+                <a:ext uri="{FF2B5EF4-FFF2-40B4-BE49-F238E27FC236}">
+                  <a16:creationId xmlns:a16="http://schemas.microsoft.com/office/drawing/2014/main" id="{3ED491A4-6337-4A4F-AF1B-C4F4E4F37459}"/>
+                </a:ext>
+              </a:extLst>
+            </p:cNvPr>
+            <p:cNvCxnSpPr>
+              <a:cxnSpLocks/>
+            </p:cNvCxnSpPr>
+            <p:nvPr/>
+          </p:nvCxnSpPr>
+          <p:spPr>
+            <a:xfrm>
+              <a:off x="3561031" y="2322925"/>
+              <a:ext cx="411480" cy="0"/>
+            </a:xfrm>
+            <a:prstGeom prst="line">
+              <a:avLst/>
+            </a:prstGeom>
+            <a:ln w="28575">
+              <a:solidFill>
+                <a:schemeClr val="tx1">
+                  <a:lumMod val="75000"/>
+                  <a:lumOff val="25000"/>
+                </a:schemeClr>
+              </a:solidFill>
+            </a:ln>
+          </p:spPr>
+          <p:style>
+            <a:lnRef idx="1">
+              <a:schemeClr val="accent1"/>
+            </a:lnRef>
+            <a:fillRef idx="0">
+              <a:schemeClr val="accent1"/>
+            </a:fillRef>
+            <a:effectRef idx="0">
+              <a:schemeClr val="accent1"/>
+            </a:effectRef>
+            <a:fontRef idx="minor">
+              <a:schemeClr val="tx1"/>
+            </a:fontRef>
+          </p:style>
+        </p:cxnSp>
+        <p:cxnSp>
+          <p:nvCxnSpPr>
+            <p:cNvPr id="21" name="Straight Connector 20">
+              <a:extLst>
+                <a:ext uri="{FF2B5EF4-FFF2-40B4-BE49-F238E27FC236}">
+                  <a16:creationId xmlns:a16="http://schemas.microsoft.com/office/drawing/2014/main" id="{EEB48426-F9F4-854F-BE81-94E66C5ED152}"/>
+                </a:ext>
+              </a:extLst>
+            </p:cNvPr>
+            <p:cNvCxnSpPr>
+              <a:cxnSpLocks/>
+            </p:cNvCxnSpPr>
+            <p:nvPr/>
+          </p:nvCxnSpPr>
+          <p:spPr>
+            <a:xfrm>
+              <a:off x="4485077" y="2315305"/>
+              <a:ext cx="411480" cy="0"/>
+            </a:xfrm>
+            <a:prstGeom prst="line">
+              <a:avLst/>
+            </a:prstGeom>
+            <a:ln w="28575">
+              <a:solidFill>
+                <a:schemeClr val="tx1">
+                  <a:lumMod val="75000"/>
+                  <a:lumOff val="25000"/>
+                </a:schemeClr>
+              </a:solidFill>
+            </a:ln>
+          </p:spPr>
+          <p:style>
+            <a:lnRef idx="1">
+              <a:schemeClr val="accent1"/>
+            </a:lnRef>
+            <a:fillRef idx="0">
+              <a:schemeClr val="accent1"/>
+            </a:fillRef>
+            <a:effectRef idx="0">
+              <a:schemeClr val="accent1"/>
+            </a:effectRef>
+            <a:fontRef idx="minor">
+              <a:schemeClr val="tx1"/>
+            </a:fontRef>
+          </p:style>
+        </p:cxnSp>
+        <p:cxnSp>
+          <p:nvCxnSpPr>
+            <p:cNvPr id="23" name="Straight Connector 22">
+              <a:extLst>
+                <a:ext uri="{FF2B5EF4-FFF2-40B4-BE49-F238E27FC236}">
+                  <a16:creationId xmlns:a16="http://schemas.microsoft.com/office/drawing/2014/main" id="{7AB50CD2-4F54-8645-96D9-AC2F41A0D9E6}"/>
+                </a:ext>
+              </a:extLst>
+            </p:cNvPr>
+            <p:cNvCxnSpPr>
+              <a:cxnSpLocks/>
+            </p:cNvCxnSpPr>
+            <p:nvPr/>
+          </p:nvCxnSpPr>
+          <p:spPr>
+            <a:xfrm>
+              <a:off x="5405265" y="2313744"/>
+              <a:ext cx="411480" cy="0"/>
+            </a:xfrm>
+            <a:prstGeom prst="line">
+              <a:avLst/>
+            </a:prstGeom>
+            <a:ln w="28575">
+              <a:solidFill>
+                <a:schemeClr val="tx1">
+                  <a:lumMod val="75000"/>
+                  <a:lumOff val="25000"/>
+                </a:schemeClr>
+              </a:solidFill>
+            </a:ln>
+          </p:spPr>
+          <p:style>
+            <a:lnRef idx="1">
+              <a:schemeClr val="accent1"/>
+            </a:lnRef>
+            <a:fillRef idx="0">
+              <a:schemeClr val="accent1"/>
+            </a:fillRef>
+            <a:effectRef idx="0">
+              <a:schemeClr val="accent1"/>
+            </a:effectRef>
+            <a:fontRef idx="minor">
+              <a:schemeClr val="tx1"/>
+            </a:fontRef>
+          </p:style>
+        </p:cxnSp>
+        <p:cxnSp>
+          <p:nvCxnSpPr>
+            <p:cNvPr id="25" name="Straight Connector 24">
+              <a:extLst>
+                <a:ext uri="{FF2B5EF4-FFF2-40B4-BE49-F238E27FC236}">
+                  <a16:creationId xmlns:a16="http://schemas.microsoft.com/office/drawing/2014/main" id="{BE4716F4-ECE6-7F41-8211-B05A96BFE9B7}"/>
+                </a:ext>
+              </a:extLst>
+            </p:cNvPr>
+            <p:cNvCxnSpPr>
+              <a:cxnSpLocks/>
+            </p:cNvCxnSpPr>
+            <p:nvPr/>
+          </p:nvCxnSpPr>
+          <p:spPr>
+            <a:xfrm>
+              <a:off x="6356318" y="2313744"/>
+              <a:ext cx="411480" cy="0"/>
+            </a:xfrm>
+            <a:prstGeom prst="line">
+              <a:avLst/>
+            </a:prstGeom>
+            <a:ln w="28575">
+              <a:solidFill>
+                <a:schemeClr val="tx1">
+                  <a:lumMod val="75000"/>
+                  <a:lumOff val="25000"/>
+                </a:schemeClr>
+              </a:solidFill>
+            </a:ln>
+          </p:spPr>
+          <p:style>
+            <a:lnRef idx="1">
+              <a:schemeClr val="accent1"/>
+            </a:lnRef>
+            <a:fillRef idx="0">
+              <a:schemeClr val="accent1"/>
+            </a:fillRef>
+            <a:effectRef idx="0">
+              <a:schemeClr val="accent1"/>
+            </a:effectRef>
+            <a:fontRef idx="minor">
+              <a:schemeClr val="tx1"/>
+            </a:fontRef>
+          </p:style>
+        </p:cxnSp>
+        <p:cxnSp>
+          <p:nvCxnSpPr>
+            <p:cNvPr id="26" name="Straight Connector 25">
+              <a:extLst>
+                <a:ext uri="{FF2B5EF4-FFF2-40B4-BE49-F238E27FC236}">
+                  <a16:creationId xmlns:a16="http://schemas.microsoft.com/office/drawing/2014/main" id="{5B89CC81-8A57-D346-BAD4-BA186D6D3DAD}"/>
+                </a:ext>
+              </a:extLst>
+            </p:cNvPr>
+            <p:cNvCxnSpPr>
+              <a:cxnSpLocks/>
+            </p:cNvCxnSpPr>
+            <p:nvPr/>
+          </p:nvCxnSpPr>
+          <p:spPr>
+            <a:xfrm>
+              <a:off x="7291938" y="2313744"/>
+              <a:ext cx="411480" cy="0"/>
+            </a:xfrm>
+            <a:prstGeom prst="line">
+              <a:avLst/>
+            </a:prstGeom>
+            <a:ln w="28575">
+              <a:solidFill>
+                <a:schemeClr val="tx1">
+                  <a:lumMod val="75000"/>
+                  <a:lumOff val="25000"/>
+                </a:schemeClr>
+              </a:solidFill>
+            </a:ln>
+          </p:spPr>
+          <p:style>
+            <a:lnRef idx="1">
+              <a:schemeClr val="accent1"/>
+            </a:lnRef>
+            <a:fillRef idx="0">
+              <a:schemeClr val="accent1"/>
+            </a:fillRef>
+            <a:effectRef idx="0">
+              <a:schemeClr val="accent1"/>
+            </a:effectRef>
+            <a:fontRef idx="minor">
+              <a:schemeClr val="tx1"/>
+            </a:fontRef>
+          </p:style>
+        </p:cxnSp>
+        <p:cxnSp>
+          <p:nvCxnSpPr>
+            <p:cNvPr id="27" name="Straight Connector 26">
+              <a:extLst>
+                <a:ext uri="{FF2B5EF4-FFF2-40B4-BE49-F238E27FC236}">
+                  <a16:creationId xmlns:a16="http://schemas.microsoft.com/office/drawing/2014/main" id="{A51A06EF-593D-6B43-BBE6-66DA6A42FEC6}"/>
+                </a:ext>
+              </a:extLst>
+            </p:cNvPr>
+            <p:cNvCxnSpPr>
+              <a:cxnSpLocks/>
+            </p:cNvCxnSpPr>
+            <p:nvPr/>
+          </p:nvCxnSpPr>
+          <p:spPr>
+            <a:xfrm>
+              <a:off x="8227558" y="2305571"/>
+              <a:ext cx="411480" cy="0"/>
+            </a:xfrm>
+            <a:prstGeom prst="line">
+              <a:avLst/>
+            </a:prstGeom>
+            <a:ln w="28575">
+              <a:solidFill>
+                <a:schemeClr val="tx1">
+                  <a:lumMod val="75000"/>
+                  <a:lumOff val="25000"/>
+                </a:schemeClr>
+              </a:solidFill>
+            </a:ln>
+          </p:spPr>
+          <p:style>
+            <a:lnRef idx="1">
+              <a:schemeClr val="accent1"/>
+            </a:lnRef>
+            <a:fillRef idx="0">
+              <a:schemeClr val="accent1"/>
+            </a:fillRef>
+            <a:effectRef idx="0">
+              <a:schemeClr val="accent1"/>
+            </a:effectRef>
+            <a:fontRef idx="minor">
+              <a:schemeClr val="tx1"/>
+            </a:fontRef>
+          </p:style>
+        </p:cxnSp>
+        <p:cxnSp>
+          <p:nvCxnSpPr>
+            <p:cNvPr id="28" name="Straight Connector 27">
+              <a:extLst>
+                <a:ext uri="{FF2B5EF4-FFF2-40B4-BE49-F238E27FC236}">
+                  <a16:creationId xmlns:a16="http://schemas.microsoft.com/office/drawing/2014/main" id="{C8F31C44-E707-7744-B490-8E229756E9D0}"/>
+                </a:ext>
+              </a:extLst>
+            </p:cNvPr>
+            <p:cNvCxnSpPr>
+              <a:cxnSpLocks/>
+            </p:cNvCxnSpPr>
+            <p:nvPr/>
+          </p:nvCxnSpPr>
+          <p:spPr>
+            <a:xfrm>
+              <a:off x="9163178" y="2305571"/>
+              <a:ext cx="411480" cy="0"/>
+            </a:xfrm>
+            <a:prstGeom prst="line">
+              <a:avLst/>
+            </a:prstGeom>
+            <a:ln w="28575">
+              <a:solidFill>
+                <a:schemeClr val="tx1">
+                  <a:lumMod val="75000"/>
+                  <a:lumOff val="25000"/>
+                </a:schemeClr>
+              </a:solidFill>
+            </a:ln>
+          </p:spPr>
+          <p:style>
+            <a:lnRef idx="1">
+              <a:schemeClr val="accent1"/>
+            </a:lnRef>
+            <a:fillRef idx="0">
+              <a:schemeClr val="accent1"/>
+            </a:fillRef>
+            <a:effectRef idx="0">
+              <a:schemeClr val="accent1"/>
+            </a:effectRef>
+            <a:fontRef idx="minor">
+              <a:schemeClr val="tx1"/>
+            </a:fontRef>
+          </p:style>
+        </p:cxnSp>
+      </p:grpSp>
+      <p:grpSp>
+        <p:nvGrpSpPr>
+          <p:cNvPr id="2" name="Group 1">
+            <a:extLst>
+              <a:ext uri="{FF2B5EF4-FFF2-40B4-BE49-F238E27FC236}">
+                <a16:creationId xmlns:a16="http://schemas.microsoft.com/office/drawing/2014/main" id="{8E5342FE-2649-BA43-A47A-1636FFD10255}"/>
+              </a:ext>
+            </a:extLst>
+          </p:cNvPr>
+          <p:cNvGrpSpPr/>
+          <p:nvPr/>
+        </p:nvGrpSpPr>
+        <p:grpSpPr>
+          <a:xfrm>
+            <a:off x="3575128" y="3327381"/>
+            <a:ext cx="5041745" cy="1643841"/>
+            <a:chOff x="3409646" y="3327381"/>
+            <a:chExt cx="5041745" cy="1643841"/>
+          </a:xfrm>
+        </p:grpSpPr>
+        <p:sp>
+          <p:nvSpPr>
+            <p:cNvPr id="29" name="Oval 28">
+              <a:extLst>
+                <a:ext uri="{FF2B5EF4-FFF2-40B4-BE49-F238E27FC236}">
+                  <a16:creationId xmlns:a16="http://schemas.microsoft.com/office/drawing/2014/main" id="{97D6AA8A-D4DD-E942-B018-5A8213EDAA74}"/>
+                </a:ext>
+              </a:extLst>
+            </p:cNvPr>
+            <p:cNvSpPr>
+              <a:spLocks noChangeAspect="1"/>
+            </p:cNvSpPr>
+            <p:nvPr/>
+          </p:nvSpPr>
+          <p:spPr>
+            <a:xfrm>
+              <a:off x="3409646" y="4605462"/>
+              <a:ext cx="365760" cy="365760"/>
+            </a:xfrm>
+            <a:prstGeom prst="ellipse">
+              <a:avLst/>
+            </a:prstGeom>
+            <a:solidFill>
+              <a:schemeClr val="accent5"/>
+            </a:solidFill>
+            <a:ln>
+              <a:solidFill>
+                <a:schemeClr val="accent5">
+                  <a:lumMod val="50000"/>
+                </a:schemeClr>
+              </a:solidFill>
+            </a:ln>
+          </p:spPr>
+          <p:style>
+            <a:lnRef idx="2">
+              <a:schemeClr val="accent1">
+                <a:shade val="50000"/>
+              </a:schemeClr>
+            </a:lnRef>
+            <a:fillRef idx="1">
+              <a:schemeClr val="accent1"/>
+            </a:fillRef>
+            <a:effectRef idx="0">
+              <a:schemeClr val="accent1"/>
+            </a:effectRef>
+            <a:fontRef idx="minor">
+              <a:schemeClr val="lt1"/>
+            </a:fontRef>
+          </p:style>
+          <p:txBody>
+            <a:bodyPr rtlCol="0" anchor="ctr"/>
+            <a:lstStyle/>
+            <a:p>
+              <a:pPr algn="ctr"/>
+              <a:r>
+                <a:rPr lang="en-US" dirty="0">
+                  <a:latin typeface="Optima" panose="02000503060000020004" pitchFamily="2" charset="0"/>
+                </a:rPr>
+                <a:t>1</a:t>
+              </a:r>
+            </a:p>
+          </p:txBody>
+        </p:sp>
+        <p:sp>
+          <p:nvSpPr>
+            <p:cNvPr id="31" name="Oval 30">
+              <a:extLst>
+                <a:ext uri="{FF2B5EF4-FFF2-40B4-BE49-F238E27FC236}">
+                  <a16:creationId xmlns:a16="http://schemas.microsoft.com/office/drawing/2014/main" id="{5608FF2F-7DB7-4340-A767-0923A3162285}"/>
+                </a:ext>
+              </a:extLst>
+            </p:cNvPr>
+            <p:cNvSpPr>
+              <a:spLocks noChangeAspect="1"/>
+            </p:cNvSpPr>
+            <p:nvPr/>
+          </p:nvSpPr>
+          <p:spPr>
+            <a:xfrm>
+              <a:off x="4344843" y="4605462"/>
+              <a:ext cx="365760" cy="365760"/>
+            </a:xfrm>
+            <a:prstGeom prst="ellipse">
+              <a:avLst/>
+            </a:prstGeom>
+            <a:solidFill>
+              <a:schemeClr val="accent5"/>
+            </a:solidFill>
+            <a:ln>
+              <a:solidFill>
+                <a:schemeClr val="accent5">
+                  <a:lumMod val="50000"/>
+                </a:schemeClr>
+              </a:solidFill>
+            </a:ln>
+          </p:spPr>
+          <p:style>
+            <a:lnRef idx="2">
+              <a:schemeClr val="accent1">
+                <a:shade val="50000"/>
+              </a:schemeClr>
+            </a:lnRef>
+            <a:fillRef idx="1">
+              <a:schemeClr val="accent1"/>
+            </a:fillRef>
+            <a:effectRef idx="0">
+              <a:schemeClr val="accent1"/>
+            </a:effectRef>
+            <a:fontRef idx="minor">
+              <a:schemeClr val="lt1"/>
+            </a:fontRef>
+          </p:style>
+          <p:txBody>
+            <a:bodyPr rtlCol="0" anchor="ctr"/>
+            <a:lstStyle/>
+            <a:p>
+              <a:pPr algn="ctr"/>
+              <a:r>
+                <a:rPr lang="en-US" dirty="0">
+                  <a:latin typeface="Optima" panose="02000503060000020004" pitchFamily="2" charset="0"/>
+                </a:rPr>
+                <a:t>2</a:t>
+              </a:r>
+            </a:p>
+          </p:txBody>
+        </p:sp>
+        <p:sp>
+          <p:nvSpPr>
+            <p:cNvPr id="32" name="Oval 31">
+              <a:extLst>
+                <a:ext uri="{FF2B5EF4-FFF2-40B4-BE49-F238E27FC236}">
+                  <a16:creationId xmlns:a16="http://schemas.microsoft.com/office/drawing/2014/main" id="{44FBFA1C-10A1-914A-9526-530BD0F4765D}"/>
+                </a:ext>
+              </a:extLst>
+            </p:cNvPr>
+            <p:cNvSpPr>
+              <a:spLocks noChangeAspect="1"/>
+            </p:cNvSpPr>
+            <p:nvPr/>
+          </p:nvSpPr>
+          <p:spPr>
+            <a:xfrm>
+              <a:off x="5280040" y="4605462"/>
+              <a:ext cx="365760" cy="365760"/>
+            </a:xfrm>
+            <a:prstGeom prst="ellipse">
+              <a:avLst/>
+            </a:prstGeom>
+            <a:solidFill>
+              <a:schemeClr val="accent5"/>
+            </a:solidFill>
+            <a:ln>
+              <a:solidFill>
+                <a:schemeClr val="accent5">
+                  <a:lumMod val="50000"/>
+                </a:schemeClr>
+              </a:solidFill>
+            </a:ln>
+          </p:spPr>
+          <p:style>
+            <a:lnRef idx="2">
+              <a:schemeClr val="accent1">
+                <a:shade val="50000"/>
+              </a:schemeClr>
+            </a:lnRef>
+            <a:fillRef idx="1">
+              <a:schemeClr val="accent1"/>
+            </a:fillRef>
+            <a:effectRef idx="0">
+              <a:schemeClr val="accent1"/>
+            </a:effectRef>
+            <a:fontRef idx="minor">
+              <a:schemeClr val="lt1"/>
+            </a:fontRef>
+          </p:style>
+          <p:txBody>
+            <a:bodyPr rtlCol="0" anchor="ctr"/>
+            <a:lstStyle/>
+            <a:p>
+              <a:pPr algn="ctr"/>
+              <a:r>
+                <a:rPr lang="en-US" dirty="0">
+                  <a:latin typeface="Optima" panose="02000503060000020004" pitchFamily="2" charset="0"/>
+                </a:rPr>
+                <a:t>3</a:t>
+              </a:r>
+            </a:p>
+          </p:txBody>
+        </p:sp>
+        <p:sp>
+          <p:nvSpPr>
+            <p:cNvPr id="33" name="Oval 32">
+              <a:extLst>
+                <a:ext uri="{FF2B5EF4-FFF2-40B4-BE49-F238E27FC236}">
+                  <a16:creationId xmlns:a16="http://schemas.microsoft.com/office/drawing/2014/main" id="{A18BB8C0-5959-C34E-9742-2C9AC32E5D3C}"/>
+                </a:ext>
+              </a:extLst>
+            </p:cNvPr>
+            <p:cNvSpPr>
+              <a:spLocks noChangeAspect="1"/>
+            </p:cNvSpPr>
+            <p:nvPr/>
+          </p:nvSpPr>
+          <p:spPr>
+            <a:xfrm>
+              <a:off x="6215237" y="4605462"/>
+              <a:ext cx="365760" cy="365760"/>
+            </a:xfrm>
+            <a:prstGeom prst="ellipse">
+              <a:avLst/>
+            </a:prstGeom>
+            <a:solidFill>
+              <a:schemeClr val="accent5"/>
+            </a:solidFill>
+            <a:ln>
+              <a:solidFill>
+                <a:schemeClr val="accent5">
+                  <a:lumMod val="50000"/>
+                </a:schemeClr>
+              </a:solidFill>
+            </a:ln>
+          </p:spPr>
+          <p:style>
+            <a:lnRef idx="2">
+              <a:schemeClr val="accent1">
+                <a:shade val="50000"/>
+              </a:schemeClr>
+            </a:lnRef>
+            <a:fillRef idx="1">
+              <a:schemeClr val="accent1"/>
+            </a:fillRef>
+            <a:effectRef idx="0">
+              <a:schemeClr val="accent1"/>
+            </a:effectRef>
+            <a:fontRef idx="minor">
+              <a:schemeClr val="lt1"/>
+            </a:fontRef>
+          </p:style>
+          <p:txBody>
+            <a:bodyPr rtlCol="0" anchor="ctr"/>
+            <a:lstStyle/>
+            <a:p>
+              <a:pPr algn="ctr"/>
+              <a:r>
+                <a:rPr lang="en-US" dirty="0">
+                  <a:latin typeface="Optima" panose="02000503060000020004" pitchFamily="2" charset="0"/>
+                </a:rPr>
+                <a:t>7</a:t>
+              </a:r>
+            </a:p>
+          </p:txBody>
+        </p:sp>
+        <p:sp>
+          <p:nvSpPr>
+            <p:cNvPr id="34" name="Oval 33">
+              <a:extLst>
+                <a:ext uri="{FF2B5EF4-FFF2-40B4-BE49-F238E27FC236}">
+                  <a16:creationId xmlns:a16="http://schemas.microsoft.com/office/drawing/2014/main" id="{184E79ED-C40D-9B49-A304-3A163FF3278F}"/>
+                </a:ext>
+              </a:extLst>
+            </p:cNvPr>
+            <p:cNvSpPr>
+              <a:spLocks noChangeAspect="1"/>
+            </p:cNvSpPr>
+            <p:nvPr/>
+          </p:nvSpPr>
+          <p:spPr>
+            <a:xfrm>
+              <a:off x="6201368" y="3982218"/>
+              <a:ext cx="365760" cy="365760"/>
+            </a:xfrm>
+            <a:prstGeom prst="ellipse">
+              <a:avLst/>
+            </a:prstGeom>
+            <a:solidFill>
+              <a:schemeClr val="accent5"/>
+            </a:solidFill>
+            <a:ln>
+              <a:solidFill>
+                <a:schemeClr val="accent5">
+                  <a:lumMod val="50000"/>
+                </a:schemeClr>
+              </a:solidFill>
+            </a:ln>
+          </p:spPr>
+          <p:style>
+            <a:lnRef idx="2">
+              <a:schemeClr val="accent1">
+                <a:shade val="50000"/>
+              </a:schemeClr>
+            </a:lnRef>
+            <a:fillRef idx="1">
+              <a:schemeClr val="accent1"/>
+            </a:fillRef>
+            <a:effectRef idx="0">
+              <a:schemeClr val="accent1"/>
+            </a:effectRef>
+            <a:fontRef idx="minor">
+              <a:schemeClr val="lt1"/>
+            </a:fontRef>
+          </p:style>
+          <p:txBody>
+            <a:bodyPr rtlCol="0" anchor="ctr"/>
+            <a:lstStyle/>
+            <a:p>
+              <a:pPr algn="ctr"/>
+              <a:r>
+                <a:rPr lang="en-US" dirty="0">
+                  <a:latin typeface="Optima" panose="02000503060000020004" pitchFamily="2" charset="0"/>
+                </a:rPr>
+                <a:t>4</a:t>
+              </a:r>
+            </a:p>
+          </p:txBody>
+        </p:sp>
+        <p:sp>
+          <p:nvSpPr>
+            <p:cNvPr id="36" name="Oval 35">
+              <a:extLst>
+                <a:ext uri="{FF2B5EF4-FFF2-40B4-BE49-F238E27FC236}">
+                  <a16:creationId xmlns:a16="http://schemas.microsoft.com/office/drawing/2014/main" id="{895356E3-FF78-F140-9BC0-1D15904C1F6A}"/>
+                </a:ext>
+              </a:extLst>
+            </p:cNvPr>
+            <p:cNvSpPr>
+              <a:spLocks noChangeAspect="1"/>
+            </p:cNvSpPr>
+            <p:nvPr/>
+          </p:nvSpPr>
+          <p:spPr>
+            <a:xfrm>
+              <a:off x="5287027" y="3988242"/>
+              <a:ext cx="365760" cy="365760"/>
+            </a:xfrm>
+            <a:prstGeom prst="ellipse">
+              <a:avLst/>
+            </a:prstGeom>
+            <a:solidFill>
+              <a:schemeClr val="accent5"/>
+            </a:solidFill>
+            <a:ln>
+              <a:solidFill>
+                <a:schemeClr val="accent5">
+                  <a:lumMod val="50000"/>
+                </a:schemeClr>
+              </a:solidFill>
+            </a:ln>
+          </p:spPr>
+          <p:style>
+            <a:lnRef idx="2">
+              <a:schemeClr val="accent1">
+                <a:shade val="50000"/>
+              </a:schemeClr>
+            </a:lnRef>
+            <a:fillRef idx="1">
+              <a:schemeClr val="accent1"/>
+            </a:fillRef>
+            <a:effectRef idx="0">
+              <a:schemeClr val="accent1"/>
+            </a:effectRef>
+            <a:fontRef idx="minor">
+              <a:schemeClr val="lt1"/>
+            </a:fontRef>
+          </p:style>
+          <p:txBody>
+            <a:bodyPr rtlCol="0" anchor="ctr"/>
+            <a:lstStyle/>
+            <a:p>
+              <a:pPr algn="ctr"/>
+              <a:r>
+                <a:rPr lang="en-US" dirty="0">
+                  <a:latin typeface="Optima" panose="02000503060000020004" pitchFamily="2" charset="0"/>
+                </a:rPr>
+                <a:t>6</a:t>
+              </a:r>
+            </a:p>
+          </p:txBody>
+        </p:sp>
+        <p:sp>
+          <p:nvSpPr>
+            <p:cNvPr id="37" name="Oval 36">
+              <a:extLst>
+                <a:ext uri="{FF2B5EF4-FFF2-40B4-BE49-F238E27FC236}">
+                  <a16:creationId xmlns:a16="http://schemas.microsoft.com/office/drawing/2014/main" id="{9DC17F44-2441-4B49-88A4-68C4D52566F5}"/>
+                </a:ext>
+              </a:extLst>
+            </p:cNvPr>
+            <p:cNvSpPr>
+              <a:spLocks noChangeAspect="1"/>
+            </p:cNvSpPr>
+            <p:nvPr/>
+          </p:nvSpPr>
+          <p:spPr>
+            <a:xfrm>
+              <a:off x="5736993" y="3327381"/>
+              <a:ext cx="365760" cy="365760"/>
+            </a:xfrm>
+            <a:prstGeom prst="ellipse">
+              <a:avLst/>
+            </a:prstGeom>
+            <a:solidFill>
+              <a:schemeClr val="accent5"/>
+            </a:solidFill>
+            <a:ln>
+              <a:solidFill>
+                <a:schemeClr val="accent5">
+                  <a:lumMod val="50000"/>
+                </a:schemeClr>
+              </a:solidFill>
+            </a:ln>
+          </p:spPr>
+          <p:style>
+            <a:lnRef idx="2">
+              <a:schemeClr val="accent1">
+                <a:shade val="50000"/>
+              </a:schemeClr>
+            </a:lnRef>
+            <a:fillRef idx="1">
+              <a:schemeClr val="accent1"/>
+            </a:fillRef>
+            <a:effectRef idx="0">
+              <a:schemeClr val="accent1"/>
+            </a:effectRef>
+            <a:fontRef idx="minor">
+              <a:schemeClr val="lt1"/>
+            </a:fontRef>
+          </p:style>
+          <p:txBody>
+            <a:bodyPr rtlCol="0" anchor="ctr"/>
+            <a:lstStyle/>
+            <a:p>
+              <a:pPr algn="ctr"/>
+              <a:r>
+                <a:rPr lang="en-US" dirty="0">
+                  <a:latin typeface="Optima" panose="02000503060000020004" pitchFamily="2" charset="0"/>
+                </a:rPr>
+                <a:t>5</a:t>
+              </a:r>
+            </a:p>
+          </p:txBody>
+        </p:sp>
+        <p:sp>
+          <p:nvSpPr>
+            <p:cNvPr id="38" name="Oval 37">
+              <a:extLst>
+                <a:ext uri="{FF2B5EF4-FFF2-40B4-BE49-F238E27FC236}">
+                  <a16:creationId xmlns:a16="http://schemas.microsoft.com/office/drawing/2014/main" id="{DE80CC49-ED97-6940-9757-45BAB97EB09C}"/>
+                </a:ext>
+              </a:extLst>
+            </p:cNvPr>
+            <p:cNvSpPr>
+              <a:spLocks noChangeAspect="1"/>
+            </p:cNvSpPr>
+            <p:nvPr/>
+          </p:nvSpPr>
+          <p:spPr>
+            <a:xfrm>
+              <a:off x="8085631" y="4605462"/>
+              <a:ext cx="365760" cy="365760"/>
+            </a:xfrm>
+            <a:prstGeom prst="ellipse">
+              <a:avLst/>
+            </a:prstGeom>
+            <a:solidFill>
+              <a:schemeClr val="accent5"/>
+            </a:solidFill>
+            <a:ln>
+              <a:solidFill>
+                <a:schemeClr val="accent5">
+                  <a:lumMod val="50000"/>
+                </a:schemeClr>
+              </a:solidFill>
+            </a:ln>
+          </p:spPr>
+          <p:style>
+            <a:lnRef idx="2">
+              <a:schemeClr val="accent1">
+                <a:shade val="50000"/>
+              </a:schemeClr>
+            </a:lnRef>
+            <a:fillRef idx="1">
+              <a:schemeClr val="accent1"/>
+            </a:fillRef>
+            <a:effectRef idx="0">
+              <a:schemeClr val="accent1"/>
+            </a:effectRef>
+            <a:fontRef idx="minor">
+              <a:schemeClr val="lt1"/>
+            </a:fontRef>
+          </p:style>
+          <p:txBody>
+            <a:bodyPr rtlCol="0" anchor="ctr"/>
+            <a:lstStyle/>
+            <a:p>
+              <a:pPr algn="ctr"/>
+              <a:r>
+                <a:rPr lang="en-US" dirty="0">
+                  <a:latin typeface="Optima" panose="02000503060000020004" pitchFamily="2" charset="0"/>
+                </a:rPr>
+                <a:t>9</a:t>
+              </a:r>
+            </a:p>
+          </p:txBody>
+        </p:sp>
+        <p:sp>
+          <p:nvSpPr>
+            <p:cNvPr id="39" name="Oval 38">
+              <a:extLst>
+                <a:ext uri="{FF2B5EF4-FFF2-40B4-BE49-F238E27FC236}">
+                  <a16:creationId xmlns:a16="http://schemas.microsoft.com/office/drawing/2014/main" id="{33F05FA1-16D3-4A42-9691-94544457E0E2}"/>
+                </a:ext>
+              </a:extLst>
+            </p:cNvPr>
+            <p:cNvSpPr>
+              <a:spLocks noChangeAspect="1"/>
+            </p:cNvSpPr>
+            <p:nvPr/>
+          </p:nvSpPr>
+          <p:spPr>
+            <a:xfrm>
+              <a:off x="7150434" y="4605462"/>
+              <a:ext cx="365760" cy="365760"/>
+            </a:xfrm>
+            <a:prstGeom prst="ellipse">
+              <a:avLst/>
+            </a:prstGeom>
+            <a:solidFill>
+              <a:schemeClr val="accent5"/>
+            </a:solidFill>
+            <a:ln>
+              <a:solidFill>
+                <a:schemeClr val="accent5">
+                  <a:lumMod val="50000"/>
+                </a:schemeClr>
+              </a:solidFill>
+            </a:ln>
+          </p:spPr>
+          <p:style>
+            <a:lnRef idx="2">
+              <a:schemeClr val="accent1">
+                <a:shade val="50000"/>
+              </a:schemeClr>
+            </a:lnRef>
+            <a:fillRef idx="1">
+              <a:schemeClr val="accent1"/>
+            </a:fillRef>
+            <a:effectRef idx="0">
+              <a:schemeClr val="accent1"/>
+            </a:effectRef>
+            <a:fontRef idx="minor">
+              <a:schemeClr val="lt1"/>
+            </a:fontRef>
+          </p:style>
+          <p:txBody>
+            <a:bodyPr rtlCol="0" anchor="ctr"/>
+            <a:lstStyle/>
+            <a:p>
+              <a:pPr algn="ctr"/>
+              <a:r>
+                <a:rPr lang="en-US" dirty="0">
+                  <a:latin typeface="Optima" panose="02000503060000020004" pitchFamily="2" charset="0"/>
+                </a:rPr>
+                <a:t>8</a:t>
+              </a:r>
+            </a:p>
+          </p:txBody>
+        </p:sp>
+        <p:cxnSp>
+          <p:nvCxnSpPr>
+            <p:cNvPr id="41" name="Straight Connector 40">
+              <a:extLst>
+                <a:ext uri="{FF2B5EF4-FFF2-40B4-BE49-F238E27FC236}">
+                  <a16:creationId xmlns:a16="http://schemas.microsoft.com/office/drawing/2014/main" id="{F08C4E84-9EB8-5C49-B34F-95E30E3B00DA}"/>
+                </a:ext>
+              </a:extLst>
+            </p:cNvPr>
+            <p:cNvCxnSpPr>
+              <a:cxnSpLocks/>
+            </p:cNvCxnSpPr>
+            <p:nvPr/>
+          </p:nvCxnSpPr>
+          <p:spPr>
+            <a:xfrm>
+              <a:off x="3847291" y="4795962"/>
+              <a:ext cx="411480" cy="0"/>
+            </a:xfrm>
+            <a:prstGeom prst="line">
+              <a:avLst/>
+            </a:prstGeom>
+            <a:ln w="28575">
+              <a:solidFill>
+                <a:schemeClr val="tx1">
+                  <a:lumMod val="75000"/>
+                  <a:lumOff val="25000"/>
+                </a:schemeClr>
+              </a:solidFill>
+            </a:ln>
+          </p:spPr>
+          <p:style>
+            <a:lnRef idx="1">
+              <a:schemeClr val="accent1"/>
+            </a:lnRef>
+            <a:fillRef idx="0">
+              <a:schemeClr val="accent1"/>
+            </a:fillRef>
+            <a:effectRef idx="0">
+              <a:schemeClr val="accent1"/>
+            </a:effectRef>
+            <a:fontRef idx="minor">
+              <a:schemeClr val="tx1"/>
+            </a:fontRef>
+          </p:style>
+        </p:cxnSp>
+        <p:cxnSp>
+          <p:nvCxnSpPr>
+            <p:cNvPr id="42" name="Straight Connector 41">
+              <a:extLst>
+                <a:ext uri="{FF2B5EF4-FFF2-40B4-BE49-F238E27FC236}">
+                  <a16:creationId xmlns:a16="http://schemas.microsoft.com/office/drawing/2014/main" id="{B8573BEB-00F1-F147-9DB6-473C450D3A70}"/>
+                </a:ext>
+              </a:extLst>
+            </p:cNvPr>
+            <p:cNvCxnSpPr>
+              <a:cxnSpLocks/>
+            </p:cNvCxnSpPr>
+            <p:nvPr/>
+          </p:nvCxnSpPr>
+          <p:spPr>
+            <a:xfrm>
+              <a:off x="4798344" y="4795962"/>
+              <a:ext cx="411480" cy="0"/>
+            </a:xfrm>
+            <a:prstGeom prst="line">
+              <a:avLst/>
+            </a:prstGeom>
+            <a:ln w="28575">
+              <a:solidFill>
+                <a:schemeClr val="tx1">
+                  <a:lumMod val="75000"/>
+                  <a:lumOff val="25000"/>
+                </a:schemeClr>
+              </a:solidFill>
+            </a:ln>
+          </p:spPr>
+          <p:style>
+            <a:lnRef idx="1">
+              <a:schemeClr val="accent1"/>
+            </a:lnRef>
+            <a:fillRef idx="0">
+              <a:schemeClr val="accent1"/>
+            </a:fillRef>
+            <a:effectRef idx="0">
+              <a:schemeClr val="accent1"/>
+            </a:effectRef>
+            <a:fontRef idx="minor">
+              <a:schemeClr val="tx1"/>
+            </a:fontRef>
+          </p:style>
+        </p:cxnSp>
+        <p:cxnSp>
+          <p:nvCxnSpPr>
+            <p:cNvPr id="43" name="Straight Connector 42">
+              <a:extLst>
+                <a:ext uri="{FF2B5EF4-FFF2-40B4-BE49-F238E27FC236}">
+                  <a16:creationId xmlns:a16="http://schemas.microsoft.com/office/drawing/2014/main" id="{2CB84AB4-2D28-624B-949A-F60C00CC1612}"/>
+                </a:ext>
+              </a:extLst>
+            </p:cNvPr>
+            <p:cNvCxnSpPr>
+              <a:cxnSpLocks/>
+            </p:cNvCxnSpPr>
+            <p:nvPr/>
+          </p:nvCxnSpPr>
+          <p:spPr>
+            <a:xfrm>
+              <a:off x="6642578" y="4786781"/>
+              <a:ext cx="411480" cy="0"/>
+            </a:xfrm>
+            <a:prstGeom prst="line">
+              <a:avLst/>
+            </a:prstGeom>
+            <a:ln w="28575">
+              <a:solidFill>
+                <a:schemeClr val="tx1">
+                  <a:lumMod val="75000"/>
+                  <a:lumOff val="25000"/>
+                </a:schemeClr>
+              </a:solidFill>
+            </a:ln>
+          </p:spPr>
+          <p:style>
+            <a:lnRef idx="1">
+              <a:schemeClr val="accent1"/>
+            </a:lnRef>
+            <a:fillRef idx="0">
+              <a:schemeClr val="accent1"/>
+            </a:fillRef>
+            <a:effectRef idx="0">
+              <a:schemeClr val="accent1"/>
+            </a:effectRef>
+            <a:fontRef idx="minor">
+              <a:schemeClr val="tx1"/>
+            </a:fontRef>
+          </p:style>
+        </p:cxnSp>
+        <p:cxnSp>
+          <p:nvCxnSpPr>
+            <p:cNvPr id="44" name="Straight Connector 43">
+              <a:extLst>
+                <a:ext uri="{FF2B5EF4-FFF2-40B4-BE49-F238E27FC236}">
+                  <a16:creationId xmlns:a16="http://schemas.microsoft.com/office/drawing/2014/main" id="{9A15DD1F-E7BA-894F-892F-9930EAEBF095}"/>
+                </a:ext>
+              </a:extLst>
+            </p:cNvPr>
+            <p:cNvCxnSpPr>
+              <a:cxnSpLocks/>
+            </p:cNvCxnSpPr>
+            <p:nvPr/>
+          </p:nvCxnSpPr>
+          <p:spPr>
+            <a:xfrm>
+              <a:off x="7593631" y="4786781"/>
+              <a:ext cx="411480" cy="0"/>
+            </a:xfrm>
+            <a:prstGeom prst="line">
+              <a:avLst/>
+            </a:prstGeom>
+            <a:ln w="28575">
+              <a:solidFill>
+                <a:schemeClr val="tx1">
+                  <a:lumMod val="75000"/>
+                  <a:lumOff val="25000"/>
+                </a:schemeClr>
+              </a:solidFill>
+            </a:ln>
+          </p:spPr>
+          <p:style>
+            <a:lnRef idx="1">
+              <a:schemeClr val="accent1"/>
+            </a:lnRef>
+            <a:fillRef idx="0">
+              <a:schemeClr val="accent1"/>
+            </a:fillRef>
+            <a:effectRef idx="0">
+              <a:schemeClr val="accent1"/>
+            </a:effectRef>
+            <a:fontRef idx="minor">
+              <a:schemeClr val="tx1"/>
+            </a:fontRef>
+          </p:style>
+        </p:cxnSp>
+        <p:cxnSp>
+          <p:nvCxnSpPr>
+            <p:cNvPr id="45" name="Straight Connector 44">
+              <a:extLst>
+                <a:ext uri="{FF2B5EF4-FFF2-40B4-BE49-F238E27FC236}">
+                  <a16:creationId xmlns:a16="http://schemas.microsoft.com/office/drawing/2014/main" id="{1AD96240-7EB0-C24A-80E8-72A34946752B}"/>
+                </a:ext>
+              </a:extLst>
+            </p:cNvPr>
+            <p:cNvCxnSpPr>
+              <a:cxnSpLocks noChangeAspect="1"/>
+            </p:cNvCxnSpPr>
+            <p:nvPr/>
+          </p:nvCxnSpPr>
+          <p:spPr>
+            <a:xfrm flipV="1">
+              <a:off x="5691273" y="4347978"/>
+              <a:ext cx="457200" cy="309278"/>
+            </a:xfrm>
+            <a:prstGeom prst="line">
+              <a:avLst/>
+            </a:prstGeom>
+            <a:ln w="28575">
+              <a:solidFill>
+                <a:schemeClr val="tx1">
+                  <a:lumMod val="75000"/>
+                  <a:lumOff val="25000"/>
+                </a:schemeClr>
+              </a:solidFill>
+            </a:ln>
+          </p:spPr>
+          <p:style>
+            <a:lnRef idx="1">
+              <a:schemeClr val="accent1"/>
+            </a:lnRef>
+            <a:fillRef idx="0">
+              <a:schemeClr val="accent1"/>
+            </a:fillRef>
+            <a:effectRef idx="0">
+              <a:schemeClr val="accent1"/>
+            </a:effectRef>
+            <a:fontRef idx="minor">
+              <a:schemeClr val="tx1"/>
+            </a:fontRef>
+          </p:style>
+        </p:cxnSp>
+        <p:cxnSp>
+          <p:nvCxnSpPr>
+            <p:cNvPr id="47" name="Straight Connector 46">
+              <a:extLst>
+                <a:ext uri="{FF2B5EF4-FFF2-40B4-BE49-F238E27FC236}">
+                  <a16:creationId xmlns:a16="http://schemas.microsoft.com/office/drawing/2014/main" id="{C0F788F5-152C-9F4A-BEE1-ADF482B0FCEA}"/>
+                </a:ext>
+              </a:extLst>
+            </p:cNvPr>
+            <p:cNvCxnSpPr>
+              <a:cxnSpLocks noChangeAspect="1"/>
+            </p:cNvCxnSpPr>
+            <p:nvPr/>
+          </p:nvCxnSpPr>
+          <p:spPr>
+            <a:xfrm>
+              <a:off x="5691273" y="4333746"/>
+              <a:ext cx="457200" cy="309278"/>
+            </a:xfrm>
+            <a:prstGeom prst="line">
+              <a:avLst/>
+            </a:prstGeom>
+            <a:ln w="28575">
+              <a:solidFill>
+                <a:schemeClr val="tx1">
+                  <a:lumMod val="75000"/>
+                  <a:lumOff val="25000"/>
+                </a:schemeClr>
+              </a:solidFill>
+            </a:ln>
+          </p:spPr>
+          <p:style>
+            <a:lnRef idx="1">
+              <a:schemeClr val="accent1"/>
+            </a:lnRef>
+            <a:fillRef idx="0">
+              <a:schemeClr val="accent1"/>
+            </a:fillRef>
+            <a:effectRef idx="0">
+              <a:schemeClr val="accent1"/>
+            </a:effectRef>
+            <a:fontRef idx="minor">
+              <a:schemeClr val="tx1"/>
+            </a:fontRef>
+          </p:style>
+        </p:cxnSp>
+        <p:cxnSp>
+          <p:nvCxnSpPr>
+            <p:cNvPr id="48" name="Straight Connector 47">
+              <a:extLst>
+                <a:ext uri="{FF2B5EF4-FFF2-40B4-BE49-F238E27FC236}">
+                  <a16:creationId xmlns:a16="http://schemas.microsoft.com/office/drawing/2014/main" id="{53333BC5-A762-C346-A08C-224A61A19D7A}"/>
+                </a:ext>
+              </a:extLst>
+            </p:cNvPr>
+            <p:cNvCxnSpPr>
+              <a:cxnSpLocks noChangeAspect="1"/>
+            </p:cNvCxnSpPr>
+            <p:nvPr/>
+          </p:nvCxnSpPr>
+          <p:spPr>
+            <a:xfrm>
+              <a:off x="6051206" y="3691532"/>
+              <a:ext cx="194534" cy="274320"/>
+            </a:xfrm>
+            <a:prstGeom prst="line">
+              <a:avLst/>
+            </a:prstGeom>
+            <a:ln w="28575">
+              <a:solidFill>
+                <a:schemeClr val="tx1">
+                  <a:lumMod val="75000"/>
+                  <a:lumOff val="25000"/>
+                </a:schemeClr>
+              </a:solidFill>
+            </a:ln>
+          </p:spPr>
+          <p:style>
+            <a:lnRef idx="1">
+              <a:schemeClr val="accent1"/>
+            </a:lnRef>
+            <a:fillRef idx="0">
+              <a:schemeClr val="accent1"/>
+            </a:fillRef>
+            <a:effectRef idx="0">
+              <a:schemeClr val="accent1"/>
+            </a:effectRef>
+            <a:fontRef idx="minor">
+              <a:schemeClr val="tx1"/>
+            </a:fontRef>
+          </p:style>
+        </p:cxnSp>
+        <p:cxnSp>
+          <p:nvCxnSpPr>
+            <p:cNvPr id="49" name="Straight Connector 48">
+              <a:extLst>
+                <a:ext uri="{FF2B5EF4-FFF2-40B4-BE49-F238E27FC236}">
+                  <a16:creationId xmlns:a16="http://schemas.microsoft.com/office/drawing/2014/main" id="{A64CC259-14B4-B945-9C45-40EA4531DB47}"/>
+                </a:ext>
+              </a:extLst>
+            </p:cNvPr>
+            <p:cNvCxnSpPr>
+              <a:cxnSpLocks noChangeAspect="1"/>
+            </p:cNvCxnSpPr>
+            <p:nvPr/>
+          </p:nvCxnSpPr>
+          <p:spPr>
+            <a:xfrm flipH="1">
+              <a:off x="5594006" y="3707898"/>
+              <a:ext cx="194534" cy="274320"/>
+            </a:xfrm>
+            <a:prstGeom prst="line">
+              <a:avLst/>
+            </a:prstGeom>
+            <a:ln w="28575">
+              <a:solidFill>
+                <a:schemeClr val="tx1">
+                  <a:lumMod val="75000"/>
+                  <a:lumOff val="25000"/>
+                </a:schemeClr>
+              </a:solidFill>
+            </a:ln>
+          </p:spPr>
+          <p:style>
+            <a:lnRef idx="1">
+              <a:schemeClr val="accent1"/>
+            </a:lnRef>
+            <a:fillRef idx="0">
+              <a:schemeClr val="accent1"/>
+            </a:fillRef>
+            <a:effectRef idx="0">
+              <a:schemeClr val="accent1"/>
+            </a:effectRef>
+            <a:fontRef idx="minor">
+              <a:schemeClr val="tx1"/>
+            </a:fontRef>
+          </p:style>
+        </p:cxnSp>
+      </p:grpSp>
+    </p:spTree>
+    <p:extLst>
+      <p:ext uri="{BB962C8B-B14F-4D97-AF65-F5344CB8AC3E}">
+        <p14:creationId xmlns:p14="http://schemas.microsoft.com/office/powerpoint/2010/main" val="1648671011"/>
+      </p:ext>
+    </p:extLst>
+  </p:cSld>
+  <p:clrMapOvr>
+    <a:masterClrMapping/>
+  </p:clrMapOvr>
+</p:sld>
+</file>
+
 <file path=ppt/slides/slide3.xml><?xml version="1.0" encoding="utf-8"?>
 <p:sld xmlns:a="http://schemas.openxmlformats.org/drawingml/2006/main" xmlns:r="http://schemas.openxmlformats.org/officeDocument/2006/relationships" xmlns:p="http://schemas.openxmlformats.org/presentationml/2006/main">
   <p:cSld>
